--- a/Rdata/OSF_analysis/02Sept2020.pptx
+++ b/Rdata/OSF_analysis/02Sept2020.pptx
@@ -8,19 +8,21 @@
     <p:sldId id="256" r:id="rId2"/>
     <p:sldId id="270" r:id="rId3"/>
     <p:sldId id="271" r:id="rId4"/>
-    <p:sldId id="272" r:id="rId5"/>
-    <p:sldId id="269" r:id="rId6"/>
-    <p:sldId id="262" r:id="rId7"/>
-    <p:sldId id="263" r:id="rId8"/>
-    <p:sldId id="261" r:id="rId9"/>
-    <p:sldId id="257" r:id="rId10"/>
-    <p:sldId id="260" r:id="rId11"/>
-    <p:sldId id="259" r:id="rId12"/>
-    <p:sldId id="264" r:id="rId13"/>
-    <p:sldId id="266" r:id="rId14"/>
-    <p:sldId id="268" r:id="rId15"/>
-    <p:sldId id="267" r:id="rId16"/>
-    <p:sldId id="265" r:id="rId17"/>
+    <p:sldId id="269" r:id="rId5"/>
+    <p:sldId id="262" r:id="rId6"/>
+    <p:sldId id="263" r:id="rId7"/>
+    <p:sldId id="261" r:id="rId8"/>
+    <p:sldId id="257" r:id="rId9"/>
+    <p:sldId id="260" r:id="rId10"/>
+    <p:sldId id="259" r:id="rId11"/>
+    <p:sldId id="266" r:id="rId12"/>
+    <p:sldId id="268" r:id="rId13"/>
+    <p:sldId id="267" r:id="rId14"/>
+    <p:sldId id="265" r:id="rId15"/>
+    <p:sldId id="274" r:id="rId16"/>
+    <p:sldId id="276" r:id="rId17"/>
+    <p:sldId id="275" r:id="rId18"/>
+    <p:sldId id="258" r:id="rId19"/>
   </p:sldIdLst>
   <p:sldSz cx="12192000" cy="6858000"/>
   <p:notesSz cx="6858000" cy="9144000"/>
@@ -274,7 +276,7 @@
           <a:p>
             <a:fld id="{94FEABEE-0EAC-4FAC-9093-7DDB11BDE35B}" type="datetimeFigureOut">
               <a:rPr lang="en-US" smtClean="0"/>
-              <a:t>9/2/2020</a:t>
+              <a:t>9/24/2020</a:t>
             </a:fld>
             <a:endParaRPr lang="en-US"/>
           </a:p>
@@ -472,7 +474,7 @@
           <a:p>
             <a:fld id="{94FEABEE-0EAC-4FAC-9093-7DDB11BDE35B}" type="datetimeFigureOut">
               <a:rPr lang="en-US" smtClean="0"/>
-              <a:t>9/2/2020</a:t>
+              <a:t>9/24/2020</a:t>
             </a:fld>
             <a:endParaRPr lang="en-US"/>
           </a:p>
@@ -680,7 +682,7 @@
           <a:p>
             <a:fld id="{94FEABEE-0EAC-4FAC-9093-7DDB11BDE35B}" type="datetimeFigureOut">
               <a:rPr lang="en-US" smtClean="0"/>
-              <a:t>9/2/2020</a:t>
+              <a:t>9/24/2020</a:t>
             </a:fld>
             <a:endParaRPr lang="en-US"/>
           </a:p>
@@ -878,7 +880,7 @@
           <a:p>
             <a:fld id="{94FEABEE-0EAC-4FAC-9093-7DDB11BDE35B}" type="datetimeFigureOut">
               <a:rPr lang="en-US" smtClean="0"/>
-              <a:t>9/2/2020</a:t>
+              <a:t>9/24/2020</a:t>
             </a:fld>
             <a:endParaRPr lang="en-US"/>
           </a:p>
@@ -1153,7 +1155,7 @@
           <a:p>
             <a:fld id="{94FEABEE-0EAC-4FAC-9093-7DDB11BDE35B}" type="datetimeFigureOut">
               <a:rPr lang="en-US" smtClean="0"/>
-              <a:t>9/2/2020</a:t>
+              <a:t>9/24/2020</a:t>
             </a:fld>
             <a:endParaRPr lang="en-US"/>
           </a:p>
@@ -1418,7 +1420,7 @@
           <a:p>
             <a:fld id="{94FEABEE-0EAC-4FAC-9093-7DDB11BDE35B}" type="datetimeFigureOut">
               <a:rPr lang="en-US" smtClean="0"/>
-              <a:t>9/2/2020</a:t>
+              <a:t>9/24/2020</a:t>
             </a:fld>
             <a:endParaRPr lang="en-US"/>
           </a:p>
@@ -1830,7 +1832,7 @@
           <a:p>
             <a:fld id="{94FEABEE-0EAC-4FAC-9093-7DDB11BDE35B}" type="datetimeFigureOut">
               <a:rPr lang="en-US" smtClean="0"/>
-              <a:t>9/2/2020</a:t>
+              <a:t>9/24/2020</a:t>
             </a:fld>
             <a:endParaRPr lang="en-US"/>
           </a:p>
@@ -1971,7 +1973,7 @@
           <a:p>
             <a:fld id="{94FEABEE-0EAC-4FAC-9093-7DDB11BDE35B}" type="datetimeFigureOut">
               <a:rPr lang="en-US" smtClean="0"/>
-              <a:t>9/2/2020</a:t>
+              <a:t>9/24/2020</a:t>
             </a:fld>
             <a:endParaRPr lang="en-US"/>
           </a:p>
@@ -2084,7 +2086,7 @@
           <a:p>
             <a:fld id="{94FEABEE-0EAC-4FAC-9093-7DDB11BDE35B}" type="datetimeFigureOut">
               <a:rPr lang="en-US" smtClean="0"/>
-              <a:t>9/2/2020</a:t>
+              <a:t>9/24/2020</a:t>
             </a:fld>
             <a:endParaRPr lang="en-US"/>
           </a:p>
@@ -2395,7 +2397,7 @@
           <a:p>
             <a:fld id="{94FEABEE-0EAC-4FAC-9093-7DDB11BDE35B}" type="datetimeFigureOut">
               <a:rPr lang="en-US" smtClean="0"/>
-              <a:t>9/2/2020</a:t>
+              <a:t>9/24/2020</a:t>
             </a:fld>
             <a:endParaRPr lang="en-US"/>
           </a:p>
@@ -2683,7 +2685,7 @@
           <a:p>
             <a:fld id="{94FEABEE-0EAC-4FAC-9093-7DDB11BDE35B}" type="datetimeFigureOut">
               <a:rPr lang="en-US" smtClean="0"/>
-              <a:t>9/2/2020</a:t>
+              <a:t>9/24/2020</a:t>
             </a:fld>
             <a:endParaRPr lang="en-US"/>
           </a:p>
@@ -2924,7 +2926,7 @@
           <a:p>
             <a:fld id="{94FEABEE-0EAC-4FAC-9093-7DDB11BDE35B}" type="datetimeFigureOut">
               <a:rPr lang="en-US" smtClean="0"/>
-              <a:t>9/2/2020</a:t>
+              <a:t>9/24/2020</a:t>
             </a:fld>
             <a:endParaRPr lang="en-US"/>
           </a:p>
@@ -3429,144 +3431,6 @@
           <a:chExt cx="0" cy="0"/>
         </a:xfrm>
       </p:grpSpPr>
-      <p:pic>
-        <p:nvPicPr>
-          <p:cNvPr id="3" name="Picture 2" descr="A close up of a map&#10;&#10;Description automatically generated">
-            <a:extLst>
-              <a:ext uri="{FF2B5EF4-FFF2-40B4-BE49-F238E27FC236}">
-                <a16:creationId xmlns:a16="http://schemas.microsoft.com/office/drawing/2014/main" id="{C6115F88-1ADE-4CB6-95F1-6139BEB9E51A}"/>
-              </a:ext>
-            </a:extLst>
-          </p:cNvPr>
-          <p:cNvPicPr>
-            <a:picLocks noChangeAspect="1"/>
-          </p:cNvPicPr>
-          <p:nvPr/>
-        </p:nvPicPr>
-        <p:blipFill>
-          <a:blip r:embed="rId2">
-            <a:extLst>
-              <a:ext uri="{28A0092B-C50C-407E-A947-70E740481C1C}">
-                <a14:useLocalDpi xmlns:a14="http://schemas.microsoft.com/office/drawing/2010/main" val="0"/>
-              </a:ext>
-            </a:extLst>
-          </a:blip>
-          <a:stretch>
-            <a:fillRect/>
-          </a:stretch>
-        </p:blipFill>
-        <p:spPr>
-          <a:xfrm>
-            <a:off x="46074" y="1143000"/>
-            <a:ext cx="6096000" cy="4572000"/>
-          </a:xfrm>
-          <a:prstGeom prst="rect">
-            <a:avLst/>
-          </a:prstGeom>
-        </p:spPr>
-      </p:pic>
-      <p:pic>
-        <p:nvPicPr>
-          <p:cNvPr id="12" name="Picture 11" descr="A close up of a map&#10;&#10;Description automatically generated">
-            <a:extLst>
-              <a:ext uri="{FF2B5EF4-FFF2-40B4-BE49-F238E27FC236}">
-                <a16:creationId xmlns:a16="http://schemas.microsoft.com/office/drawing/2014/main" id="{5791D0AA-C5F6-4A1A-BB07-38BD0AFA1F0F}"/>
-              </a:ext>
-            </a:extLst>
-          </p:cNvPr>
-          <p:cNvPicPr>
-            <a:picLocks noChangeAspect="1"/>
-          </p:cNvPicPr>
-          <p:nvPr/>
-        </p:nvPicPr>
-        <p:blipFill>
-          <a:blip r:embed="rId3">
-            <a:extLst>
-              <a:ext uri="{28A0092B-C50C-407E-A947-70E740481C1C}">
-                <a14:useLocalDpi xmlns:a14="http://schemas.microsoft.com/office/drawing/2010/main" val="0"/>
-              </a:ext>
-            </a:extLst>
-          </a:blip>
-          <a:stretch>
-            <a:fillRect/>
-          </a:stretch>
-        </p:blipFill>
-        <p:spPr>
-          <a:xfrm>
-            <a:off x="6096000" y="1143000"/>
-            <a:ext cx="6096000" cy="4572000"/>
-          </a:xfrm>
-          <a:prstGeom prst="rect">
-            <a:avLst/>
-          </a:prstGeom>
-        </p:spPr>
-      </p:pic>
-      <p:sp>
-        <p:nvSpPr>
-          <p:cNvPr id="14" name="TextBox 13">
-            <a:extLst>
-              <a:ext uri="{FF2B5EF4-FFF2-40B4-BE49-F238E27FC236}">
-                <a16:creationId xmlns:a16="http://schemas.microsoft.com/office/drawing/2014/main" id="{331D09F7-88DE-4F0C-A47E-C40C5D0498A9}"/>
-              </a:ext>
-            </a:extLst>
-          </p:cNvPr>
-          <p:cNvSpPr txBox="1"/>
-          <p:nvPr/>
-        </p:nvSpPr>
-        <p:spPr>
-          <a:xfrm>
-            <a:off x="504696" y="18246"/>
-            <a:ext cx="11260121" cy="461665"/>
-          </a:xfrm>
-          <a:prstGeom prst="rect">
-            <a:avLst/>
-          </a:prstGeom>
-          <a:noFill/>
-        </p:spPr>
-        <p:txBody>
-          <a:bodyPr wrap="square" rtlCol="0">
-            <a:spAutoFit/>
-          </a:bodyPr>
-          <a:lstStyle/>
-          <a:p>
-            <a:pPr algn="ctr"/>
-            <a:r>
-              <a:rPr lang="en-US" sz="2400" u="sng" dirty="0"/>
-              <a:t>T-SNE plots of Bray Curtis dissimilarity of counts by case and publication</a:t>
-            </a:r>
-          </a:p>
-        </p:txBody>
-      </p:sp>
-    </p:spTree>
-    <p:extLst>
-      <p:ext uri="{BB962C8B-B14F-4D97-AF65-F5344CB8AC3E}">
-        <p14:creationId xmlns:p14="http://schemas.microsoft.com/office/powerpoint/2010/main" val="1601606157"/>
-      </p:ext>
-    </p:extLst>
-  </p:cSld>
-  <p:clrMapOvr>
-    <a:masterClrMapping/>
-  </p:clrMapOvr>
-</p:sld>
-</file>
-
-<file path=ppt/slides/slide11.xml><?xml version="1.0" encoding="utf-8"?>
-<p:sld xmlns:a="http://schemas.openxmlformats.org/drawingml/2006/main" xmlns:r="http://schemas.openxmlformats.org/officeDocument/2006/relationships" xmlns:p="http://schemas.openxmlformats.org/presentationml/2006/main">
-  <p:cSld>
-    <p:spTree>
-      <p:nvGrpSpPr>
-        <p:cNvPr id="1" name=""/>
-        <p:cNvGrpSpPr/>
-        <p:nvPr/>
-      </p:nvGrpSpPr>
-      <p:grpSpPr>
-        <a:xfrm>
-          <a:off x="0" y="0"/>
-          <a:ext cx="0" cy="0"/>
-          <a:chOff x="0" y="0"/>
-          <a:chExt cx="0" cy="0"/>
-        </a:xfrm>
-      </p:grpSpPr>
       <p:sp>
         <p:nvSpPr>
           <p:cNvPr id="2" name="Rectangle 1">
@@ -5205,969 +5069,7 @@
 </p:sld>
 </file>
 
-<file path=ppt/slides/slide12.xml><?xml version="1.0" encoding="utf-8"?>
-<p:sld xmlns:a="http://schemas.openxmlformats.org/drawingml/2006/main" xmlns:r="http://schemas.openxmlformats.org/officeDocument/2006/relationships" xmlns:p="http://schemas.openxmlformats.org/presentationml/2006/main">
-  <p:cSld>
-    <p:spTree>
-      <p:nvGrpSpPr>
-        <p:cNvPr id="1" name=""/>
-        <p:cNvGrpSpPr/>
-        <p:nvPr/>
-      </p:nvGrpSpPr>
-      <p:grpSpPr>
-        <a:xfrm>
-          <a:off x="0" y="0"/>
-          <a:ext cx="0" cy="0"/>
-          <a:chOff x="0" y="0"/>
-          <a:chExt cx="0" cy="0"/>
-        </a:xfrm>
-      </p:grpSpPr>
-      <p:sp>
-        <p:nvSpPr>
-          <p:cNvPr id="7" name="TextBox 6">
-            <a:extLst>
-              <a:ext uri="{FF2B5EF4-FFF2-40B4-BE49-F238E27FC236}">
-                <a16:creationId xmlns:a16="http://schemas.microsoft.com/office/drawing/2014/main" id="{44CFDF76-9AFE-4E5A-AC6F-D166BABC3F69}"/>
-              </a:ext>
-            </a:extLst>
-          </p:cNvPr>
-          <p:cNvSpPr txBox="1"/>
-          <p:nvPr/>
-        </p:nvSpPr>
-        <p:spPr>
-          <a:xfrm>
-            <a:off x="-49942" y="2714309"/>
-            <a:ext cx="6964327" cy="830997"/>
-          </a:xfrm>
-          <a:prstGeom prst="rect">
-            <a:avLst/>
-          </a:prstGeom>
-          <a:noFill/>
-        </p:spPr>
-        <p:txBody>
-          <a:bodyPr wrap="square" rtlCol="0">
-            <a:spAutoFit/>
-          </a:bodyPr>
-          <a:lstStyle/>
-          <a:p>
-            <a:pPr algn="ctr"/>
-            <a:r>
-              <a:rPr lang="en-US" sz="2400" u="sng" dirty="0"/>
-              <a:t>Adonis </a:t>
-            </a:r>
-            <a:r>
-              <a:rPr lang="en-US" sz="2400" u="sng" dirty="0" err="1"/>
-              <a:t>permanova</a:t>
-            </a:r>
-            <a:r>
-              <a:rPr lang="en-US" sz="2400" u="sng" dirty="0"/>
-              <a:t> Euclidean distance VST transformed counts by case, stratified by publication </a:t>
-            </a:r>
-          </a:p>
-        </p:txBody>
-      </p:sp>
-      <p:sp>
-        <p:nvSpPr>
-          <p:cNvPr id="6" name="Rectangle 2">
-            <a:extLst>
-              <a:ext uri="{FF2B5EF4-FFF2-40B4-BE49-F238E27FC236}">
-                <a16:creationId xmlns:a16="http://schemas.microsoft.com/office/drawing/2014/main" id="{5B2E3ADF-D661-4357-AEC9-A7C2C142ABFD}"/>
-              </a:ext>
-            </a:extLst>
-          </p:cNvPr>
-          <p:cNvSpPr>
-            <a:spLocks noChangeArrowheads="1"/>
-          </p:cNvSpPr>
-          <p:nvPr/>
-        </p:nvSpPr>
-        <p:spPr bwMode="auto">
-          <a:xfrm>
-            <a:off x="64324" y="3601353"/>
-            <a:ext cx="6964326" cy="3000821"/>
-          </a:xfrm>
-          <a:prstGeom prst="rect">
-            <a:avLst/>
-          </a:prstGeom>
-          <a:solidFill>
-            <a:srgbClr val="202020"/>
-          </a:solidFill>
-          <a:ln>
-            <a:noFill/>
-          </a:ln>
-          <a:effectLst/>
-          <a:extLst>
-            <a:ext uri="{91240B29-F687-4F45-9708-019B960494DF}">
-              <a14:hiddenLine xmlns:a14="http://schemas.microsoft.com/office/drawing/2010/main" w="9525">
-                <a:solidFill>
-                  <a:schemeClr val="tx1"/>
-                </a:solidFill>
-                <a:miter lim="800000"/>
-                <a:headEnd/>
-                <a:tailEnd/>
-              </a14:hiddenLine>
-            </a:ext>
-            <a:ext uri="{AF507438-7753-43E0-B8FC-AC1667EBCBE1}">
-              <a14:hiddenEffects xmlns:a14="http://schemas.microsoft.com/office/drawing/2010/main">
-                <a:effectLst>
-                  <a:outerShdw dist="35921" dir="2700000" algn="ctr" rotWithShape="0">
-                    <a:schemeClr val="bg2"/>
-                  </a:outerShdw>
-                </a:effectLst>
-              </a14:hiddenEffects>
-            </a:ext>
-          </a:extLst>
-        </p:spPr>
-        <p:txBody>
-          <a:bodyPr vert="horz" wrap="square" lIns="0" tIns="0" rIns="0" bIns="0" numCol="1" anchor="ctr" anchorCtr="0" compatLnSpc="1">
-            <a:prstTxWarp prst="textNoShape">
-              <a:avLst/>
-            </a:prstTxWarp>
-            <a:spAutoFit/>
-          </a:bodyPr>
-          <a:lstStyle/>
-          <a:p>
-            <a:pPr marL="0" marR="0" lvl="0" indent="0" algn="l" defTabSz="914400" rtl="0" eaLnBrk="0" fontAlgn="base" latinLnBrk="0" hangingPunct="0">
-              <a:lnSpc>
-                <a:spcPct val="100000"/>
-              </a:lnSpc>
-              <a:spcBef>
-                <a:spcPct val="0"/>
-              </a:spcBef>
-              <a:spcAft>
-                <a:spcPct val="0"/>
-              </a:spcAft>
-              <a:buClrTx/>
-              <a:buSzTx/>
-              <a:buFontTx/>
-              <a:buNone/>
-              <a:tabLst/>
-            </a:pPr>
-            <a:br>
-              <a:rPr kumimoji="0" lang="en-US" altLang="en-US" sz="1300" b="0" i="0" u="none" strike="noStrike" cap="none" normalizeH="0" baseline="0" dirty="0">
-                <a:ln>
-                  <a:noFill/>
-                </a:ln>
-                <a:solidFill>
-                  <a:srgbClr val="E6E1DC"/>
-                </a:solidFill>
-                <a:effectLst/>
-                <a:latin typeface="Lucida Console" panose="020B0609040504020204" pitchFamily="49" charset="0"/>
-              </a:rPr>
-            </a:br>
-            <a:r>
-              <a:rPr kumimoji="0" lang="en-US" altLang="en-US" sz="1300" b="0" i="0" u="none" strike="noStrike" cap="none" normalizeH="0" baseline="0" dirty="0">
-                <a:ln>
-                  <a:noFill/>
-                </a:ln>
-                <a:solidFill>
-                  <a:srgbClr val="E6E1DC"/>
-                </a:solidFill>
-                <a:effectLst/>
-                <a:latin typeface="Lucida Console" panose="020B0609040504020204" pitchFamily="49" charset="0"/>
-              </a:rPr>
-              <a:t>Call: </a:t>
-            </a:r>
-            <a:r>
-              <a:rPr kumimoji="0" lang="en-US" altLang="en-US" sz="1300" b="0" i="0" u="none" strike="noStrike" cap="none" normalizeH="0" baseline="0" dirty="0" err="1">
-                <a:ln>
-                  <a:noFill/>
-                </a:ln>
-                <a:solidFill>
-                  <a:srgbClr val="E6E1DC"/>
-                </a:solidFill>
-                <a:effectLst/>
-                <a:latin typeface="Lucida Console" panose="020B0609040504020204" pitchFamily="49" charset="0"/>
-              </a:rPr>
-              <a:t>adonis</a:t>
-            </a:r>
-            <a:r>
-              <a:rPr kumimoji="0" lang="en-US" altLang="en-US" sz="1300" b="0" i="0" u="none" strike="noStrike" cap="none" normalizeH="0" baseline="0" dirty="0">
-                <a:ln>
-                  <a:noFill/>
-                </a:ln>
-                <a:solidFill>
-                  <a:srgbClr val="E6E1DC"/>
-                </a:solidFill>
-                <a:effectLst/>
-                <a:latin typeface="Lucida Console" panose="020B0609040504020204" pitchFamily="49" charset="0"/>
-              </a:rPr>
-              <a:t>(formula = </a:t>
-            </a:r>
-            <a:r>
-              <a:rPr kumimoji="0" lang="en-US" altLang="en-US" sz="1300" b="0" i="0" u="none" strike="noStrike" cap="none" normalizeH="0" baseline="0" dirty="0" err="1">
-                <a:ln>
-                  <a:noFill/>
-                </a:ln>
-                <a:solidFill>
-                  <a:srgbClr val="E6E1DC"/>
-                </a:solidFill>
-                <a:effectLst/>
-                <a:latin typeface="Lucida Console" panose="020B0609040504020204" pitchFamily="49" charset="0"/>
-              </a:rPr>
-              <a:t>euc_dist</a:t>
-            </a:r>
-            <a:r>
-              <a:rPr kumimoji="0" lang="en-US" altLang="en-US" sz="1300" b="0" i="0" u="none" strike="noStrike" cap="none" normalizeH="0" baseline="0" dirty="0">
-                <a:ln>
-                  <a:noFill/>
-                </a:ln>
-                <a:solidFill>
-                  <a:srgbClr val="E6E1DC"/>
-                </a:solidFill>
-                <a:effectLst/>
-                <a:latin typeface="Lucida Console" panose="020B0609040504020204" pitchFamily="49" charset="0"/>
-              </a:rPr>
-              <a:t> ~ </a:t>
-            </a:r>
-            <a:r>
-              <a:rPr kumimoji="0" lang="en-US" altLang="en-US" sz="1300" b="0" i="0" u="none" strike="noStrike" cap="none" normalizeH="0" baseline="0" dirty="0" err="1">
-                <a:ln>
-                  <a:noFill/>
-                </a:ln>
-                <a:solidFill>
-                  <a:srgbClr val="E6E1DC"/>
-                </a:solidFill>
-                <a:effectLst/>
-                <a:latin typeface="Lucida Console" panose="020B0609040504020204" pitchFamily="49" charset="0"/>
-              </a:rPr>
-              <a:t>sample_data</a:t>
-            </a:r>
-            <a:r>
-              <a:rPr kumimoji="0" lang="en-US" altLang="en-US" sz="1300" b="0" i="0" u="none" strike="noStrike" cap="none" normalizeH="0" baseline="0" dirty="0">
-                <a:ln>
-                  <a:noFill/>
-                </a:ln>
-                <a:solidFill>
-                  <a:srgbClr val="E6E1DC"/>
-                </a:solidFill>
-                <a:effectLst/>
-                <a:latin typeface="Lucida Console" panose="020B0609040504020204" pitchFamily="49" charset="0"/>
-              </a:rPr>
-              <a:t>(</a:t>
-            </a:r>
-            <a:r>
-              <a:rPr kumimoji="0" lang="en-US" altLang="en-US" sz="1300" b="0" i="0" u="none" strike="noStrike" cap="none" normalizeH="0" baseline="0" dirty="0" err="1">
-                <a:ln>
-                  <a:noFill/>
-                </a:ln>
-                <a:solidFill>
-                  <a:srgbClr val="E6E1DC"/>
-                </a:solidFill>
-                <a:effectLst/>
-                <a:latin typeface="Lucida Console" panose="020B0609040504020204" pitchFamily="49" charset="0"/>
-              </a:rPr>
-              <a:t>ps_balf_not_sick</a:t>
-            </a:r>
-            <a:r>
-              <a:rPr kumimoji="0" lang="en-US" altLang="en-US" sz="1300" b="0" i="0" u="none" strike="noStrike" cap="none" normalizeH="0" baseline="0" dirty="0">
-                <a:ln>
-                  <a:noFill/>
-                </a:ln>
-                <a:solidFill>
-                  <a:srgbClr val="E6E1DC"/>
-                </a:solidFill>
-                <a:effectLst/>
-                <a:latin typeface="Lucida Console" panose="020B0609040504020204" pitchFamily="49" charset="0"/>
-              </a:rPr>
-              <a:t>)$case, </a:t>
-            </a:r>
-          </a:p>
-          <a:p>
-            <a:pPr marL="0" marR="0" lvl="0" indent="0" algn="l" defTabSz="914400" rtl="0" eaLnBrk="0" fontAlgn="base" latinLnBrk="0" hangingPunct="0">
-              <a:lnSpc>
-                <a:spcPct val="100000"/>
-              </a:lnSpc>
-              <a:spcBef>
-                <a:spcPct val="0"/>
-              </a:spcBef>
-              <a:spcAft>
-                <a:spcPct val="0"/>
-              </a:spcAft>
-              <a:buClrTx/>
-              <a:buSzTx/>
-              <a:buFontTx/>
-              <a:buNone/>
-              <a:tabLst/>
-            </a:pPr>
-            <a:r>
-              <a:rPr kumimoji="0" lang="en-US" altLang="en-US" sz="1300" b="0" i="0" u="none" strike="noStrike" cap="none" normalizeH="0" baseline="0" dirty="0">
-                <a:ln>
-                  <a:noFill/>
-                </a:ln>
-                <a:solidFill>
-                  <a:srgbClr val="E6E1DC"/>
-                </a:solidFill>
-                <a:effectLst/>
-                <a:latin typeface="Lucida Console" panose="020B0609040504020204" pitchFamily="49" charset="0"/>
-              </a:rPr>
-              <a:t>permutations = 9999, </a:t>
-            </a:r>
-          </a:p>
-          <a:p>
-            <a:pPr marL="0" marR="0" lvl="0" indent="0" algn="l" defTabSz="914400" rtl="0" eaLnBrk="0" fontAlgn="base" latinLnBrk="0" hangingPunct="0">
-              <a:lnSpc>
-                <a:spcPct val="100000"/>
-              </a:lnSpc>
-              <a:spcBef>
-                <a:spcPct val="0"/>
-              </a:spcBef>
-              <a:spcAft>
-                <a:spcPct val="0"/>
-              </a:spcAft>
-              <a:buClrTx/>
-              <a:buSzTx/>
-              <a:buFontTx/>
-              <a:buNone/>
-              <a:tabLst/>
-            </a:pPr>
-            <a:r>
-              <a:rPr kumimoji="0" lang="en-US" altLang="en-US" sz="1300" b="0" i="0" u="none" strike="noStrike" cap="none" normalizeH="0" baseline="0" dirty="0">
-                <a:ln>
-                  <a:noFill/>
-                </a:ln>
-                <a:solidFill>
-                  <a:srgbClr val="E6E1DC"/>
-                </a:solidFill>
-                <a:effectLst/>
-                <a:latin typeface="Lucida Console" panose="020B0609040504020204" pitchFamily="49" charset="0"/>
-              </a:rPr>
-              <a:t>strata = </a:t>
-            </a:r>
-            <a:r>
-              <a:rPr kumimoji="0" lang="en-US" altLang="en-US" sz="1300" b="0" i="0" u="none" strike="noStrike" cap="none" normalizeH="0" baseline="0" dirty="0" err="1">
-                <a:ln>
-                  <a:noFill/>
-                </a:ln>
-                <a:solidFill>
-                  <a:srgbClr val="E6E1DC"/>
-                </a:solidFill>
-                <a:effectLst/>
-                <a:latin typeface="Lucida Console" panose="020B0609040504020204" pitchFamily="49" charset="0"/>
-              </a:rPr>
-              <a:t>sample_data</a:t>
-            </a:r>
-            <a:r>
-              <a:rPr kumimoji="0" lang="en-US" altLang="en-US" sz="1300" b="0" i="0" u="none" strike="noStrike" cap="none" normalizeH="0" baseline="0" dirty="0">
-                <a:ln>
-                  <a:noFill/>
-                </a:ln>
-                <a:solidFill>
-                  <a:srgbClr val="E6E1DC"/>
-                </a:solidFill>
-                <a:effectLst/>
-                <a:latin typeface="Lucida Console" panose="020B0609040504020204" pitchFamily="49" charset="0"/>
-              </a:rPr>
-              <a:t>(</a:t>
-            </a:r>
-            <a:r>
-              <a:rPr kumimoji="0" lang="en-US" altLang="en-US" sz="1300" b="0" i="0" u="none" strike="noStrike" cap="none" normalizeH="0" baseline="0" dirty="0" err="1">
-                <a:ln>
-                  <a:noFill/>
-                </a:ln>
-                <a:solidFill>
-                  <a:srgbClr val="E6E1DC"/>
-                </a:solidFill>
-                <a:effectLst/>
-                <a:latin typeface="Lucida Console" panose="020B0609040504020204" pitchFamily="49" charset="0"/>
-              </a:rPr>
-              <a:t>ps_balf_not_sick</a:t>
-            </a:r>
-            <a:r>
-              <a:rPr kumimoji="0" lang="en-US" altLang="en-US" sz="1300" b="0" i="0" u="none" strike="noStrike" cap="none" normalizeH="0" baseline="0" dirty="0">
-                <a:ln>
-                  <a:noFill/>
-                </a:ln>
-                <a:solidFill>
-                  <a:srgbClr val="E6E1DC"/>
-                </a:solidFill>
-                <a:effectLst/>
-                <a:latin typeface="Lucida Console" panose="020B0609040504020204" pitchFamily="49" charset="0"/>
-              </a:rPr>
-              <a:t>)$publication) </a:t>
-            </a:r>
-          </a:p>
-          <a:p>
-            <a:pPr marL="0" marR="0" lvl="0" indent="0" algn="l" defTabSz="914400" rtl="0" eaLnBrk="0" fontAlgn="base" latinLnBrk="0" hangingPunct="0">
-              <a:lnSpc>
-                <a:spcPct val="100000"/>
-              </a:lnSpc>
-              <a:spcBef>
-                <a:spcPct val="0"/>
-              </a:spcBef>
-              <a:spcAft>
-                <a:spcPct val="0"/>
-              </a:spcAft>
-              <a:buClrTx/>
-              <a:buSzTx/>
-              <a:buFontTx/>
-              <a:buNone/>
-              <a:tabLst/>
-            </a:pPr>
-            <a:r>
-              <a:rPr kumimoji="0" lang="en-US" altLang="en-US" sz="1300" b="0" i="0" u="none" strike="noStrike" cap="none" normalizeH="0" baseline="0" dirty="0">
-                <a:ln>
-                  <a:noFill/>
-                </a:ln>
-                <a:solidFill>
-                  <a:srgbClr val="E6E1DC"/>
-                </a:solidFill>
-                <a:effectLst/>
-                <a:latin typeface="Lucida Console" panose="020B0609040504020204" pitchFamily="49" charset="0"/>
-              </a:rPr>
-              <a:t>Blocks: strata </a:t>
-            </a:r>
-          </a:p>
-          <a:p>
-            <a:pPr marL="0" marR="0" lvl="0" indent="0" algn="l" defTabSz="914400" rtl="0" eaLnBrk="0" fontAlgn="base" latinLnBrk="0" hangingPunct="0">
-              <a:lnSpc>
-                <a:spcPct val="100000"/>
-              </a:lnSpc>
-              <a:spcBef>
-                <a:spcPct val="0"/>
-              </a:spcBef>
-              <a:spcAft>
-                <a:spcPct val="0"/>
-              </a:spcAft>
-              <a:buClrTx/>
-              <a:buSzTx/>
-              <a:buFontTx/>
-              <a:buNone/>
-              <a:tabLst/>
-            </a:pPr>
-            <a:r>
-              <a:rPr kumimoji="0" lang="en-US" altLang="en-US" sz="1300" b="0" i="0" u="none" strike="noStrike" cap="none" normalizeH="0" baseline="0" dirty="0">
-                <a:ln>
-                  <a:noFill/>
-                </a:ln>
-                <a:solidFill>
-                  <a:srgbClr val="E6E1DC"/>
-                </a:solidFill>
-                <a:effectLst/>
-                <a:latin typeface="Lucida Console" panose="020B0609040504020204" pitchFamily="49" charset="0"/>
-              </a:rPr>
-              <a:t>Permutation: free </a:t>
-            </a:r>
-          </a:p>
-          <a:p>
-            <a:pPr marL="0" marR="0" lvl="0" indent="0" algn="l" defTabSz="914400" rtl="0" eaLnBrk="0" fontAlgn="base" latinLnBrk="0" hangingPunct="0">
-              <a:lnSpc>
-                <a:spcPct val="100000"/>
-              </a:lnSpc>
-              <a:spcBef>
-                <a:spcPct val="0"/>
-              </a:spcBef>
-              <a:spcAft>
-                <a:spcPct val="0"/>
-              </a:spcAft>
-              <a:buClrTx/>
-              <a:buSzTx/>
-              <a:buFontTx/>
-              <a:buNone/>
-              <a:tabLst/>
-            </a:pPr>
-            <a:r>
-              <a:rPr kumimoji="0" lang="en-US" altLang="en-US" sz="1300" b="0" i="0" u="none" strike="noStrike" cap="none" normalizeH="0" baseline="0" dirty="0">
-                <a:ln>
-                  <a:noFill/>
-                </a:ln>
-                <a:solidFill>
-                  <a:srgbClr val="E6E1DC"/>
-                </a:solidFill>
-                <a:effectLst/>
-                <a:latin typeface="Lucida Console" panose="020B0609040504020204" pitchFamily="49" charset="0"/>
-              </a:rPr>
-              <a:t>Number of permutations: 9999 </a:t>
-            </a:r>
-          </a:p>
-          <a:p>
-            <a:pPr marL="0" marR="0" lvl="0" indent="0" algn="l" defTabSz="914400" rtl="0" eaLnBrk="0" fontAlgn="base" latinLnBrk="0" hangingPunct="0">
-              <a:lnSpc>
-                <a:spcPct val="100000"/>
-              </a:lnSpc>
-              <a:spcBef>
-                <a:spcPct val="0"/>
-              </a:spcBef>
-              <a:spcAft>
-                <a:spcPct val="0"/>
-              </a:spcAft>
-              <a:buClrTx/>
-              <a:buSzTx/>
-              <a:buFontTx/>
-              <a:buNone/>
-              <a:tabLst/>
-            </a:pPr>
-            <a:endParaRPr kumimoji="0" lang="en-US" altLang="en-US" sz="1300" b="0" i="0" u="none" strike="noStrike" cap="none" normalizeH="0" baseline="0" dirty="0">
-              <a:ln>
-                <a:noFill/>
-              </a:ln>
-              <a:solidFill>
-                <a:srgbClr val="E6E1DC"/>
-              </a:solidFill>
-              <a:effectLst/>
-              <a:latin typeface="Lucida Console" panose="020B0609040504020204" pitchFamily="49" charset="0"/>
-            </a:endParaRPr>
-          </a:p>
-          <a:p>
-            <a:pPr marL="0" marR="0" lvl="0" indent="0" algn="l" defTabSz="914400" rtl="0" eaLnBrk="0" fontAlgn="base" latinLnBrk="0" hangingPunct="0">
-              <a:lnSpc>
-                <a:spcPct val="100000"/>
-              </a:lnSpc>
-              <a:spcBef>
-                <a:spcPct val="0"/>
-              </a:spcBef>
-              <a:spcAft>
-                <a:spcPct val="0"/>
-              </a:spcAft>
-              <a:buClrTx/>
-              <a:buSzTx/>
-              <a:buFontTx/>
-              <a:buNone/>
-              <a:tabLst/>
-            </a:pPr>
-            <a:r>
-              <a:rPr kumimoji="0" lang="en-US" altLang="en-US" sz="1300" b="0" i="0" u="none" strike="noStrike" cap="none" normalizeH="0" baseline="0" dirty="0">
-                <a:ln>
-                  <a:noFill/>
-                </a:ln>
-                <a:solidFill>
-                  <a:srgbClr val="E6E1DC"/>
-                </a:solidFill>
-                <a:effectLst/>
-                <a:latin typeface="Lucida Console" panose="020B0609040504020204" pitchFamily="49" charset="0"/>
-              </a:rPr>
-              <a:t>Terms added sequentially (first to last) </a:t>
-            </a:r>
-          </a:p>
-          <a:p>
-            <a:pPr marL="0" marR="0" lvl="0" indent="0" algn="l" defTabSz="914400" rtl="0" eaLnBrk="0" fontAlgn="base" latinLnBrk="0" hangingPunct="0">
-              <a:lnSpc>
-                <a:spcPct val="100000"/>
-              </a:lnSpc>
-              <a:spcBef>
-                <a:spcPct val="0"/>
-              </a:spcBef>
-              <a:spcAft>
-                <a:spcPct val="0"/>
-              </a:spcAft>
-              <a:buClrTx/>
-              <a:buSzTx/>
-              <a:buFontTx/>
-              <a:buNone/>
-              <a:tabLst/>
-            </a:pPr>
-            <a:r>
-              <a:rPr kumimoji="0" lang="en-US" altLang="en-US" sz="1300" b="0" i="0" u="none" strike="noStrike" cap="none" normalizeH="0" baseline="0" dirty="0">
-                <a:ln>
-                  <a:noFill/>
-                </a:ln>
-                <a:solidFill>
-                  <a:srgbClr val="E6E1DC"/>
-                </a:solidFill>
-                <a:effectLst/>
-                <a:latin typeface="Lucida Console" panose="020B0609040504020204" pitchFamily="49" charset="0"/>
-              </a:rPr>
-              <a:t>	 Df  </a:t>
-            </a:r>
-            <a:r>
-              <a:rPr kumimoji="0" lang="en-US" altLang="en-US" sz="1300" b="0" i="0" u="none" strike="noStrike" cap="none" normalizeH="0" baseline="0" dirty="0" err="1">
-                <a:ln>
-                  <a:noFill/>
-                </a:ln>
-                <a:solidFill>
-                  <a:srgbClr val="E6E1DC"/>
-                </a:solidFill>
-                <a:effectLst/>
-                <a:latin typeface="Lucida Console" panose="020B0609040504020204" pitchFamily="49" charset="0"/>
-              </a:rPr>
-              <a:t>SumsOfSqs</a:t>
-            </a:r>
-            <a:r>
-              <a:rPr kumimoji="0" lang="en-US" altLang="en-US" sz="1300" b="0" i="0" u="none" strike="noStrike" cap="none" normalizeH="0" baseline="0" dirty="0">
-                <a:ln>
-                  <a:noFill/>
-                </a:ln>
-                <a:solidFill>
-                  <a:srgbClr val="E6E1DC"/>
-                </a:solidFill>
-                <a:effectLst/>
-                <a:latin typeface="Lucida Console" panose="020B0609040504020204" pitchFamily="49" charset="0"/>
-              </a:rPr>
-              <a:t> </a:t>
-            </a:r>
-            <a:r>
-              <a:rPr kumimoji="0" lang="en-US" altLang="en-US" sz="1300" b="0" i="0" u="none" strike="noStrike" cap="none" normalizeH="0" baseline="0" dirty="0" err="1">
-                <a:ln>
-                  <a:noFill/>
-                </a:ln>
-                <a:solidFill>
-                  <a:srgbClr val="E6E1DC"/>
-                </a:solidFill>
-                <a:effectLst/>
-                <a:latin typeface="Lucida Console" panose="020B0609040504020204" pitchFamily="49" charset="0"/>
-              </a:rPr>
-              <a:t>MeanSqs</a:t>
-            </a:r>
-            <a:r>
-              <a:rPr kumimoji="0" lang="en-US" altLang="en-US" sz="1300" b="0" i="0" u="none" strike="noStrike" cap="none" normalizeH="0" baseline="0" dirty="0">
-                <a:ln>
-                  <a:noFill/>
-                </a:ln>
-                <a:solidFill>
-                  <a:srgbClr val="E6E1DC"/>
-                </a:solidFill>
-                <a:effectLst/>
-                <a:latin typeface="Lucida Console" panose="020B0609040504020204" pitchFamily="49" charset="0"/>
-              </a:rPr>
-              <a:t> </a:t>
-            </a:r>
-            <a:r>
-              <a:rPr kumimoji="0" lang="en-US" altLang="en-US" sz="1300" b="0" i="0" u="none" strike="noStrike" cap="none" normalizeH="0" baseline="0" dirty="0" err="1">
-                <a:ln>
-                  <a:noFill/>
-                </a:ln>
-                <a:solidFill>
-                  <a:srgbClr val="E6E1DC"/>
-                </a:solidFill>
-                <a:effectLst/>
-                <a:latin typeface="Lucida Console" panose="020B0609040504020204" pitchFamily="49" charset="0"/>
-              </a:rPr>
-              <a:t>F.Model</a:t>
-            </a:r>
-            <a:r>
-              <a:rPr kumimoji="0" lang="en-US" altLang="en-US" sz="1300" b="0" i="0" u="none" strike="noStrike" cap="none" normalizeH="0" baseline="0" dirty="0">
-                <a:ln>
-                  <a:noFill/>
-                </a:ln>
-                <a:solidFill>
-                  <a:srgbClr val="E6E1DC"/>
-                </a:solidFill>
-                <a:effectLst/>
-                <a:latin typeface="Lucida Console" panose="020B0609040504020204" pitchFamily="49" charset="0"/>
-              </a:rPr>
-              <a:t> R2 </a:t>
-            </a:r>
-            <a:r>
-              <a:rPr kumimoji="0" lang="en-US" altLang="en-US" sz="1300" b="0" i="0" u="none" strike="noStrike" cap="none" normalizeH="0" baseline="0" dirty="0" err="1">
-                <a:ln>
-                  <a:noFill/>
-                </a:ln>
-                <a:solidFill>
-                  <a:srgbClr val="E6E1DC"/>
-                </a:solidFill>
-                <a:effectLst/>
-                <a:latin typeface="Lucida Console" panose="020B0609040504020204" pitchFamily="49" charset="0"/>
-              </a:rPr>
-              <a:t>Pr</a:t>
-            </a:r>
-            <a:r>
-              <a:rPr kumimoji="0" lang="en-US" altLang="en-US" sz="1300" b="0" i="0" u="none" strike="noStrike" cap="none" normalizeH="0" baseline="0" dirty="0">
-                <a:ln>
-                  <a:noFill/>
-                </a:ln>
-                <a:solidFill>
-                  <a:srgbClr val="E6E1DC"/>
-                </a:solidFill>
-                <a:effectLst/>
-                <a:latin typeface="Lucida Console" panose="020B0609040504020204" pitchFamily="49" charset="0"/>
-              </a:rPr>
-              <a:t>(&gt;F) </a:t>
-            </a:r>
-          </a:p>
-          <a:p>
-            <a:pPr marL="0" marR="0" lvl="0" indent="0" algn="l" defTabSz="914400" rtl="0" eaLnBrk="0" fontAlgn="base" latinLnBrk="0" hangingPunct="0">
-              <a:lnSpc>
-                <a:spcPct val="100000"/>
-              </a:lnSpc>
-              <a:spcBef>
-                <a:spcPct val="0"/>
-              </a:spcBef>
-              <a:spcAft>
-                <a:spcPct val="0"/>
-              </a:spcAft>
-              <a:buClrTx/>
-              <a:buSzTx/>
-              <a:buFontTx/>
-              <a:buNone/>
-              <a:tabLst/>
-            </a:pPr>
-            <a:r>
-              <a:rPr kumimoji="0" lang="en-US" altLang="en-US" sz="1300" b="0" i="0" u="none" strike="noStrike" cap="none" normalizeH="0" baseline="0" dirty="0">
-                <a:ln>
-                  <a:noFill/>
-                </a:ln>
-                <a:solidFill>
-                  <a:srgbClr val="E6E1DC"/>
-                </a:solidFill>
-                <a:effectLst/>
-                <a:latin typeface="Lucida Console" panose="020B0609040504020204" pitchFamily="49" charset="0"/>
-              </a:rPr>
-              <a:t>case  	 1    157741  157741  3.8181 0.04667  0.064 .</a:t>
-            </a:r>
-          </a:p>
-          <a:p>
-            <a:pPr marL="0" marR="0" lvl="0" indent="0" algn="l" defTabSz="914400" rtl="0" eaLnBrk="0" fontAlgn="base" latinLnBrk="0" hangingPunct="0">
-              <a:lnSpc>
-                <a:spcPct val="100000"/>
-              </a:lnSpc>
-              <a:spcBef>
-                <a:spcPct val="0"/>
-              </a:spcBef>
-              <a:spcAft>
-                <a:spcPct val="0"/>
-              </a:spcAft>
-              <a:buClrTx/>
-              <a:buSzTx/>
-              <a:buFontTx/>
-              <a:buNone/>
-              <a:tabLst/>
-            </a:pPr>
-            <a:r>
-              <a:rPr kumimoji="0" lang="en-US" altLang="en-US" sz="1300" b="0" i="0" u="none" strike="noStrike" cap="none" normalizeH="0" baseline="0" dirty="0">
-                <a:ln>
-                  <a:noFill/>
-                </a:ln>
-                <a:solidFill>
-                  <a:srgbClr val="E6E1DC"/>
-                </a:solidFill>
-                <a:effectLst/>
-                <a:latin typeface="Lucida Console" panose="020B0609040504020204" pitchFamily="49" charset="0"/>
-              </a:rPr>
-              <a:t>Residuals 78   3222517   41314         0.95333         </a:t>
-            </a:r>
-          </a:p>
-          <a:p>
-            <a:pPr marL="0" marR="0" lvl="0" indent="0" algn="l" defTabSz="914400" rtl="0" eaLnBrk="0" fontAlgn="base" latinLnBrk="0" hangingPunct="0">
-              <a:lnSpc>
-                <a:spcPct val="100000"/>
-              </a:lnSpc>
-              <a:spcBef>
-                <a:spcPct val="0"/>
-              </a:spcBef>
-              <a:spcAft>
-                <a:spcPct val="0"/>
-              </a:spcAft>
-              <a:buClrTx/>
-              <a:buSzTx/>
-              <a:buFontTx/>
-              <a:buNone/>
-              <a:tabLst/>
-            </a:pPr>
-            <a:r>
-              <a:rPr kumimoji="0" lang="en-US" altLang="en-US" sz="1300" b="0" i="0" u="none" strike="noStrike" cap="none" normalizeH="0" baseline="0" dirty="0">
-                <a:ln>
-                  <a:noFill/>
-                </a:ln>
-                <a:solidFill>
-                  <a:srgbClr val="E6E1DC"/>
-                </a:solidFill>
-                <a:effectLst/>
-                <a:latin typeface="Lucida Console" panose="020B0609040504020204" pitchFamily="49" charset="0"/>
-              </a:rPr>
-              <a:t>Total     79   3380257                 1.00000         </a:t>
-            </a:r>
-          </a:p>
-          <a:p>
-            <a:pPr marL="0" marR="0" lvl="0" indent="0" algn="l" defTabSz="914400" rtl="0" eaLnBrk="0" fontAlgn="base" latinLnBrk="0" hangingPunct="0">
-              <a:lnSpc>
-                <a:spcPct val="100000"/>
-              </a:lnSpc>
-              <a:spcBef>
-                <a:spcPct val="0"/>
-              </a:spcBef>
-              <a:spcAft>
-                <a:spcPct val="0"/>
-              </a:spcAft>
-              <a:buClrTx/>
-              <a:buSzTx/>
-              <a:buFontTx/>
-              <a:buNone/>
-              <a:tabLst/>
-            </a:pPr>
-            <a:r>
-              <a:rPr kumimoji="0" lang="en-US" altLang="en-US" sz="1300" b="0" i="0" u="none" strike="noStrike" cap="none" normalizeH="0" baseline="0" dirty="0">
-                <a:ln>
-                  <a:noFill/>
-                </a:ln>
-                <a:solidFill>
-                  <a:srgbClr val="E6E1DC"/>
-                </a:solidFill>
-                <a:effectLst/>
-                <a:latin typeface="Lucida Console" panose="020B0609040504020204" pitchFamily="49" charset="0"/>
-              </a:rPr>
-              <a:t>--- </a:t>
-            </a:r>
-          </a:p>
-          <a:p>
-            <a:pPr marL="0" marR="0" lvl="0" indent="0" algn="l" defTabSz="914400" rtl="0" eaLnBrk="0" fontAlgn="base" latinLnBrk="0" hangingPunct="0">
-              <a:lnSpc>
-                <a:spcPct val="100000"/>
-              </a:lnSpc>
-              <a:spcBef>
-                <a:spcPct val="0"/>
-              </a:spcBef>
-              <a:spcAft>
-                <a:spcPct val="0"/>
-              </a:spcAft>
-              <a:buClrTx/>
-              <a:buSzTx/>
-              <a:buFontTx/>
-              <a:buNone/>
-              <a:tabLst/>
-            </a:pPr>
-            <a:r>
-              <a:rPr kumimoji="0" lang="en-US" altLang="en-US" sz="1300" b="0" i="0" u="none" strike="noStrike" cap="none" normalizeH="0" baseline="0" dirty="0" err="1">
-                <a:ln>
-                  <a:noFill/>
-                </a:ln>
-                <a:solidFill>
-                  <a:srgbClr val="E6E1DC"/>
-                </a:solidFill>
-                <a:effectLst/>
-                <a:latin typeface="Lucida Console" panose="020B0609040504020204" pitchFamily="49" charset="0"/>
-              </a:rPr>
-              <a:t>Signif</a:t>
-            </a:r>
-            <a:r>
-              <a:rPr kumimoji="0" lang="en-US" altLang="en-US" sz="1300" b="0" i="0" u="none" strike="noStrike" cap="none" normalizeH="0" baseline="0" dirty="0">
-                <a:ln>
-                  <a:noFill/>
-                </a:ln>
-                <a:solidFill>
-                  <a:srgbClr val="E6E1DC"/>
-                </a:solidFill>
-                <a:effectLst/>
-                <a:latin typeface="Lucida Console" panose="020B0609040504020204" pitchFamily="49" charset="0"/>
-              </a:rPr>
-              <a:t>. codes: 0 ‘***’ 0.001 ‘**’ 0.01 ‘*’ 0.05 ‘.’ 0.1 ‘ ’ 1</a:t>
-            </a:r>
-            <a:endParaRPr kumimoji="0" lang="en-US" altLang="en-US" sz="1800" b="0" i="0" u="none" strike="noStrike" cap="none" normalizeH="0" baseline="0" dirty="0">
-              <a:ln>
-                <a:noFill/>
-              </a:ln>
-              <a:solidFill>
-                <a:schemeClr val="tx1"/>
-              </a:solidFill>
-              <a:effectLst/>
-              <a:latin typeface="Arial" panose="020B0604020202020204" pitchFamily="34" charset="0"/>
-            </a:endParaRPr>
-          </a:p>
-        </p:txBody>
-      </p:sp>
-      <p:pic>
-        <p:nvPicPr>
-          <p:cNvPr id="9" name="Picture 8">
-            <a:extLst>
-              <a:ext uri="{FF2B5EF4-FFF2-40B4-BE49-F238E27FC236}">
-                <a16:creationId xmlns:a16="http://schemas.microsoft.com/office/drawing/2014/main" id="{EC75A509-7B90-4EEE-8FAD-75D7CAB00F78}"/>
-              </a:ext>
-            </a:extLst>
-          </p:cNvPr>
-          <p:cNvPicPr>
-            <a:picLocks noChangeAspect="1"/>
-          </p:cNvPicPr>
-          <p:nvPr/>
-        </p:nvPicPr>
-        <p:blipFill rotWithShape="1">
-          <a:blip r:embed="rId2"/>
-          <a:srcRect r="22749" b="12866"/>
-          <a:stretch/>
-        </p:blipFill>
-        <p:spPr>
-          <a:xfrm>
-            <a:off x="7148950" y="3890665"/>
-            <a:ext cx="4924215" cy="1872182"/>
-          </a:xfrm>
-          <a:prstGeom prst="rect">
-            <a:avLst/>
-          </a:prstGeom>
-        </p:spPr>
-      </p:pic>
-      <p:sp>
-        <p:nvSpPr>
-          <p:cNvPr id="11" name="TextBox 10">
-            <a:extLst>
-              <a:ext uri="{FF2B5EF4-FFF2-40B4-BE49-F238E27FC236}">
-                <a16:creationId xmlns:a16="http://schemas.microsoft.com/office/drawing/2014/main" id="{320A0071-9EE4-4F03-99CB-224CB7186B22}"/>
-              </a:ext>
-            </a:extLst>
-          </p:cNvPr>
-          <p:cNvSpPr txBox="1"/>
-          <p:nvPr/>
-        </p:nvSpPr>
-        <p:spPr>
-          <a:xfrm>
-            <a:off x="7148950" y="3429000"/>
-            <a:ext cx="4924215" cy="461665"/>
-          </a:xfrm>
-          <a:prstGeom prst="rect">
-            <a:avLst/>
-          </a:prstGeom>
-          <a:noFill/>
-        </p:spPr>
-        <p:txBody>
-          <a:bodyPr wrap="square">
-            <a:spAutoFit/>
-          </a:bodyPr>
-          <a:lstStyle/>
-          <a:p>
-            <a:pPr algn="ctr"/>
-            <a:r>
-              <a:rPr lang="en-US" sz="2400" u="sng" dirty="0" err="1"/>
-              <a:t>Betadisper</a:t>
-            </a:r>
-            <a:endParaRPr lang="en-US" sz="2400" dirty="0"/>
-          </a:p>
-        </p:txBody>
-      </p:sp>
-      <p:pic>
-        <p:nvPicPr>
-          <p:cNvPr id="13" name="Picture 12" descr="A close up of a map&#10;&#10;Description automatically generated">
-            <a:extLst>
-              <a:ext uri="{FF2B5EF4-FFF2-40B4-BE49-F238E27FC236}">
-                <a16:creationId xmlns:a16="http://schemas.microsoft.com/office/drawing/2014/main" id="{19AD850B-CEEB-4313-9438-2828CCFD2AB3}"/>
-              </a:ext>
-            </a:extLst>
-          </p:cNvPr>
-          <p:cNvPicPr>
-            <a:picLocks noChangeAspect="1"/>
-          </p:cNvPicPr>
-          <p:nvPr/>
-        </p:nvPicPr>
-        <p:blipFill rotWithShape="1">
-          <a:blip r:embed="rId3">
-            <a:extLst>
-              <a:ext uri="{28A0092B-C50C-407E-A947-70E740481C1C}">
-                <a14:useLocalDpi xmlns:a14="http://schemas.microsoft.com/office/drawing/2010/main" val="0"/>
-              </a:ext>
-            </a:extLst>
-          </a:blip>
-          <a:srcRect t="15173" b="11970"/>
-          <a:stretch/>
-        </p:blipFill>
-        <p:spPr>
-          <a:xfrm>
-            <a:off x="696905" y="255826"/>
-            <a:ext cx="10798190" cy="2458483"/>
-          </a:xfrm>
-          <a:prstGeom prst="rect">
-            <a:avLst/>
-          </a:prstGeom>
-        </p:spPr>
-      </p:pic>
-    </p:spTree>
-    <p:extLst>
-      <p:ext uri="{BB962C8B-B14F-4D97-AF65-F5344CB8AC3E}">
-        <p14:creationId xmlns:p14="http://schemas.microsoft.com/office/powerpoint/2010/main" val="760558916"/>
-      </p:ext>
-    </p:extLst>
-  </p:cSld>
-  <p:clrMapOvr>
-    <a:masterClrMapping/>
-  </p:clrMapOvr>
-</p:sld>
-</file>
-
-<file path=ppt/slides/slide13.xml><?xml version="1.0" encoding="utf-8"?>
+<file path=ppt/slides/slide11.xml><?xml version="1.0" encoding="utf-8"?>
 <p:sld xmlns:a="http://schemas.openxmlformats.org/drawingml/2006/main" xmlns:r="http://schemas.openxmlformats.org/officeDocument/2006/relationships" xmlns:p="http://schemas.openxmlformats.org/presentationml/2006/main">
   <p:cSld>
     <p:spTree>
@@ -6346,6 +5248,93 @@
           </p:spPr>
         </p:pic>
       </p:grpSp>
+      <p:cxnSp>
+        <p:nvCxnSpPr>
+          <p:cNvPr id="5" name="Straight Arrow Connector 4">
+            <a:extLst>
+              <a:ext uri="{FF2B5EF4-FFF2-40B4-BE49-F238E27FC236}">
+                <a16:creationId xmlns:a16="http://schemas.microsoft.com/office/drawing/2014/main" id="{158EF24C-B969-4C01-93D7-691D00D0A60B}"/>
+              </a:ext>
+            </a:extLst>
+          </p:cNvPr>
+          <p:cNvCxnSpPr>
+            <a:cxnSpLocks/>
+            <a:stCxn id="6" idx="2"/>
+          </p:cNvCxnSpPr>
+          <p:nvPr/>
+        </p:nvCxnSpPr>
+        <p:spPr>
+          <a:xfrm>
+            <a:off x="1947200" y="734400"/>
+            <a:ext cx="500866" cy="3143491"/>
+          </a:xfrm>
+          <a:prstGeom prst="straightConnector1">
+            <a:avLst/>
+          </a:prstGeom>
+          <a:ln w="57150">
+            <a:solidFill>
+              <a:schemeClr val="tx1"/>
+            </a:solidFill>
+            <a:tailEnd type="triangle"/>
+          </a:ln>
+        </p:spPr>
+        <p:style>
+          <a:lnRef idx="1">
+            <a:schemeClr val="accent2"/>
+          </a:lnRef>
+          <a:fillRef idx="0">
+            <a:schemeClr val="accent2"/>
+          </a:fillRef>
+          <a:effectRef idx="0">
+            <a:schemeClr val="accent2"/>
+          </a:effectRef>
+          <a:fontRef idx="minor">
+            <a:schemeClr val="tx1"/>
+          </a:fontRef>
+        </p:style>
+      </p:cxnSp>
+      <p:sp>
+        <p:nvSpPr>
+          <p:cNvPr id="6" name="TextBox 5">
+            <a:extLst>
+              <a:ext uri="{FF2B5EF4-FFF2-40B4-BE49-F238E27FC236}">
+                <a16:creationId xmlns:a16="http://schemas.microsoft.com/office/drawing/2014/main" id="{1385A490-53AA-44D6-A8D8-9AD393DB3338}"/>
+              </a:ext>
+            </a:extLst>
+          </p:cNvPr>
+          <p:cNvSpPr txBox="1"/>
+          <p:nvPr/>
+        </p:nvSpPr>
+        <p:spPr>
+          <a:xfrm>
+            <a:off x="552946" y="272735"/>
+            <a:ext cx="2788508" cy="461665"/>
+          </a:xfrm>
+          <a:prstGeom prst="rect">
+            <a:avLst/>
+          </a:prstGeom>
+          <a:solidFill>
+            <a:schemeClr val="bg1"/>
+          </a:solidFill>
+          <a:ln>
+            <a:solidFill>
+              <a:schemeClr val="tx1"/>
+            </a:solidFill>
+          </a:ln>
+        </p:spPr>
+        <p:txBody>
+          <a:bodyPr wrap="square" rtlCol="0">
+            <a:spAutoFit/>
+          </a:bodyPr>
+          <a:lstStyle/>
+          <a:p>
+            <a:r>
+              <a:rPr lang="en-US" sz="1200" dirty="0"/>
+              <a:t>Low complexity region issue from bracken re-estimations</a:t>
+            </a:r>
+          </a:p>
+        </p:txBody>
+      </p:sp>
     </p:spTree>
     <p:extLst>
       <p:ext uri="{BB962C8B-B14F-4D97-AF65-F5344CB8AC3E}">
@@ -6359,7 +5348,7 @@
 </p:sld>
 </file>
 
-<file path=ppt/slides/slide14.xml><?xml version="1.0" encoding="utf-8"?>
+<file path=ppt/slides/slide12.xml><?xml version="1.0" encoding="utf-8"?>
 <p:sld xmlns:a="http://schemas.openxmlformats.org/drawingml/2006/main" xmlns:r="http://schemas.openxmlformats.org/officeDocument/2006/relationships" xmlns:p="http://schemas.openxmlformats.org/presentationml/2006/main">
   <p:cSld>
     <p:spTree>
@@ -6495,7 +5484,7 @@
 </p:sld>
 </file>
 
-<file path=ppt/slides/slide15.xml><?xml version="1.0" encoding="utf-8"?>
+<file path=ppt/slides/slide13.xml><?xml version="1.0" encoding="utf-8"?>
 <p:sld xmlns:a="http://schemas.openxmlformats.org/drawingml/2006/main" xmlns:r="http://schemas.openxmlformats.org/officeDocument/2006/relationships" xmlns:p="http://schemas.openxmlformats.org/presentationml/2006/main">
   <p:cSld>
     <p:spTree>
@@ -6635,6 +5624,252 @@
     <p:extLst>
       <p:ext uri="{BB962C8B-B14F-4D97-AF65-F5344CB8AC3E}">
         <p14:creationId xmlns:p14="http://schemas.microsoft.com/office/powerpoint/2010/main" val="58519185"/>
+      </p:ext>
+    </p:extLst>
+  </p:cSld>
+  <p:clrMapOvr>
+    <a:masterClrMapping/>
+  </p:clrMapOvr>
+</p:sld>
+</file>
+
+<file path=ppt/slides/slide14.xml><?xml version="1.0" encoding="utf-8"?>
+<p:sld xmlns:a="http://schemas.openxmlformats.org/drawingml/2006/main" xmlns:r="http://schemas.openxmlformats.org/officeDocument/2006/relationships" xmlns:p="http://schemas.openxmlformats.org/presentationml/2006/main">
+  <p:cSld>
+    <p:spTree>
+      <p:nvGrpSpPr>
+        <p:cNvPr id="1" name=""/>
+        <p:cNvGrpSpPr/>
+        <p:nvPr/>
+      </p:nvGrpSpPr>
+      <p:grpSpPr>
+        <a:xfrm>
+          <a:off x="0" y="0"/>
+          <a:ext cx="0" cy="0"/>
+          <a:chOff x="0" y="0"/>
+          <a:chExt cx="0" cy="0"/>
+        </a:xfrm>
+      </p:grpSpPr>
+      <p:sp>
+        <p:nvSpPr>
+          <p:cNvPr id="7" name="TextBox 6">
+            <a:extLst>
+              <a:ext uri="{FF2B5EF4-FFF2-40B4-BE49-F238E27FC236}">
+                <a16:creationId xmlns:a16="http://schemas.microsoft.com/office/drawing/2014/main" id="{44CFDF76-9AFE-4E5A-AC6F-D166BABC3F69}"/>
+              </a:ext>
+            </a:extLst>
+          </p:cNvPr>
+          <p:cNvSpPr txBox="1"/>
+          <p:nvPr/>
+        </p:nvSpPr>
+        <p:spPr>
+          <a:xfrm>
+            <a:off x="-49942" y="0"/>
+            <a:ext cx="12241942" cy="461665"/>
+          </a:xfrm>
+          <a:prstGeom prst="rect">
+            <a:avLst/>
+          </a:prstGeom>
+          <a:noFill/>
+        </p:spPr>
+        <p:txBody>
+          <a:bodyPr wrap="square" rtlCol="0">
+            <a:spAutoFit/>
+          </a:bodyPr>
+          <a:lstStyle/>
+          <a:p>
+            <a:pPr algn="ctr"/>
+            <a:r>
+              <a:rPr lang="en-US" sz="2400" u="sng" dirty="0"/>
+              <a:t> % Relative Abundance violin plot comparisons of DESeq2 Identified Phyla</a:t>
+            </a:r>
+          </a:p>
+        </p:txBody>
+      </p:sp>
+      <p:pic>
+        <p:nvPicPr>
+          <p:cNvPr id="5" name="Picture 4" descr="A close up of a logo&#10;&#10;Description automatically generated">
+            <a:extLst>
+              <a:ext uri="{FF2B5EF4-FFF2-40B4-BE49-F238E27FC236}">
+                <a16:creationId xmlns:a16="http://schemas.microsoft.com/office/drawing/2014/main" id="{BB79120A-8036-46CC-B415-D2E0C474045F}"/>
+              </a:ext>
+            </a:extLst>
+          </p:cNvPr>
+          <p:cNvPicPr>
+            <a:picLocks noChangeAspect="1"/>
+          </p:cNvPicPr>
+          <p:nvPr/>
+        </p:nvPicPr>
+        <p:blipFill>
+          <a:blip r:embed="rId2">
+            <a:extLst>
+              <a:ext uri="{28A0092B-C50C-407E-A947-70E740481C1C}">
+                <a14:useLocalDpi xmlns:a14="http://schemas.microsoft.com/office/drawing/2010/main" val="0"/>
+              </a:ext>
+            </a:extLst>
+          </a:blip>
+          <a:stretch>
+            <a:fillRect/>
+          </a:stretch>
+        </p:blipFill>
+        <p:spPr>
+          <a:xfrm>
+            <a:off x="0" y="512064"/>
+            <a:ext cx="6345936" cy="6345936"/>
+          </a:xfrm>
+          <a:prstGeom prst="rect">
+            <a:avLst/>
+          </a:prstGeom>
+        </p:spPr>
+      </p:pic>
+    </p:spTree>
+    <p:extLst>
+      <p:ext uri="{BB962C8B-B14F-4D97-AF65-F5344CB8AC3E}">
+        <p14:creationId xmlns:p14="http://schemas.microsoft.com/office/powerpoint/2010/main" val="767770482"/>
+      </p:ext>
+    </p:extLst>
+  </p:cSld>
+  <p:clrMapOvr>
+    <a:masterClrMapping/>
+  </p:clrMapOvr>
+</p:sld>
+</file>
+
+<file path=ppt/slides/slide15.xml><?xml version="1.0" encoding="utf-8"?>
+<p:sld xmlns:a="http://schemas.openxmlformats.org/drawingml/2006/main" xmlns:r="http://schemas.openxmlformats.org/officeDocument/2006/relationships" xmlns:p="http://schemas.openxmlformats.org/presentationml/2006/main">
+  <p:cSld>
+    <p:spTree>
+      <p:nvGrpSpPr>
+        <p:cNvPr id="1" name=""/>
+        <p:cNvGrpSpPr/>
+        <p:nvPr/>
+      </p:nvGrpSpPr>
+      <p:grpSpPr>
+        <a:xfrm>
+          <a:off x="0" y="0"/>
+          <a:ext cx="0" cy="0"/>
+          <a:chOff x="0" y="0"/>
+          <a:chExt cx="0" cy="0"/>
+        </a:xfrm>
+      </p:grpSpPr>
+      <p:sp>
+        <p:nvSpPr>
+          <p:cNvPr id="2" name="Title 1">
+            <a:extLst>
+              <a:ext uri="{FF2B5EF4-FFF2-40B4-BE49-F238E27FC236}">
+                <a16:creationId xmlns:a16="http://schemas.microsoft.com/office/drawing/2014/main" id="{86101A7D-D62D-4CC0-AB0A-C90BE8CD32EA}"/>
+              </a:ext>
+            </a:extLst>
+          </p:cNvPr>
+          <p:cNvSpPr>
+            <a:spLocks noGrp="1"/>
+          </p:cNvSpPr>
+          <p:nvPr>
+            <p:ph type="ctrTitle"/>
+          </p:nvPr>
+        </p:nvSpPr>
+        <p:spPr>
+          <a:xfrm>
+            <a:off x="469557" y="1122363"/>
+            <a:ext cx="11532973" cy="1505507"/>
+          </a:xfrm>
+        </p:spPr>
+        <p:txBody>
+          <a:bodyPr>
+            <a:normAutofit fontScale="90000"/>
+          </a:bodyPr>
+          <a:lstStyle/>
+          <a:p>
+            <a:r>
+              <a:rPr lang="en-US" dirty="0"/>
+              <a:t>CRR125950 confidence interval analysis</a:t>
+            </a:r>
+          </a:p>
+        </p:txBody>
+      </p:sp>
+      <p:sp>
+        <p:nvSpPr>
+          <p:cNvPr id="3" name="Subtitle 2">
+            <a:extLst>
+              <a:ext uri="{FF2B5EF4-FFF2-40B4-BE49-F238E27FC236}">
+                <a16:creationId xmlns:a16="http://schemas.microsoft.com/office/drawing/2014/main" id="{FE102B51-34FB-4810-BD3D-CA096E5F2C5E}"/>
+              </a:ext>
+            </a:extLst>
+          </p:cNvPr>
+          <p:cNvSpPr>
+            <a:spLocks noGrp="1"/>
+          </p:cNvSpPr>
+          <p:nvPr>
+            <p:ph type="subTitle" idx="1"/>
+          </p:nvPr>
+        </p:nvSpPr>
+        <p:spPr/>
+        <p:txBody>
+          <a:bodyPr/>
+          <a:lstStyle/>
+          <a:p>
+            <a:r>
+              <a:rPr lang="en-US" dirty="0"/>
+              <a:t>15 Sept 2020</a:t>
+            </a:r>
+          </a:p>
+          <a:p>
+            <a:r>
+              <a:rPr lang="en-US" b="1" dirty="0"/>
+              <a:t>Objective: </a:t>
+            </a:r>
+            <a:r>
+              <a:rPr lang="en-US" dirty="0"/>
+              <a:t>determine if filtering out the low complexity regions from the dataset prior to Kraken2 fixed the issue with Bracken incorrectly over estimations of false taxa</a:t>
+            </a:r>
+          </a:p>
+        </p:txBody>
+      </p:sp>
+      <p:sp>
+        <p:nvSpPr>
+          <p:cNvPr id="5" name="TextBox 4">
+            <a:extLst>
+              <a:ext uri="{FF2B5EF4-FFF2-40B4-BE49-F238E27FC236}">
+                <a16:creationId xmlns:a16="http://schemas.microsoft.com/office/drawing/2014/main" id="{D84C003A-35AF-4C2E-86A4-F093D9ADD658}"/>
+              </a:ext>
+            </a:extLst>
+          </p:cNvPr>
+          <p:cNvSpPr txBox="1"/>
+          <p:nvPr/>
+        </p:nvSpPr>
+        <p:spPr>
+          <a:xfrm>
+            <a:off x="3047617" y="3245482"/>
+            <a:ext cx="6095234" cy="369332"/>
+          </a:xfrm>
+          <a:prstGeom prst="rect">
+            <a:avLst/>
+          </a:prstGeom>
+          <a:noFill/>
+        </p:spPr>
+        <p:txBody>
+          <a:bodyPr wrap="square">
+            <a:spAutoFit/>
+          </a:bodyPr>
+          <a:lstStyle/>
+          <a:p>
+            <a:r>
+              <a:rPr lang="en-US" sz="1800" dirty="0">
+                <a:solidFill>
+                  <a:schemeClr val="bg1"/>
+                </a:solidFill>
+                <a:latin typeface="Lucida Console" panose="020B0609040504020204" pitchFamily="49" charset="0"/>
+              </a:rPr>
+              <a:t>CRR125950</a:t>
+            </a:r>
+            <a:endParaRPr lang="en-US" dirty="0"/>
+          </a:p>
+        </p:txBody>
+      </p:sp>
+    </p:spTree>
+    <p:extLst>
+      <p:ext uri="{BB962C8B-B14F-4D97-AF65-F5344CB8AC3E}">
+        <p14:creationId xmlns:p14="http://schemas.microsoft.com/office/powerpoint/2010/main" val="3588751528"/>
       </p:ext>
     </p:extLst>
   </p:cSld>
@@ -6663,46 +5898,251 @@
       </p:grpSpPr>
       <p:sp>
         <p:nvSpPr>
-          <p:cNvPr id="7" name="TextBox 6">
-            <a:extLst>
-              <a:ext uri="{FF2B5EF4-FFF2-40B4-BE49-F238E27FC236}">
-                <a16:creationId xmlns:a16="http://schemas.microsoft.com/office/drawing/2014/main" id="{44CFDF76-9AFE-4E5A-AC6F-D166BABC3F69}"/>
-              </a:ext>
-            </a:extLst>
-          </p:cNvPr>
-          <p:cNvSpPr txBox="1"/>
-          <p:nvPr/>
+          <p:cNvPr id="3" name="Subtitle 2">
+            <a:extLst>
+              <a:ext uri="{FF2B5EF4-FFF2-40B4-BE49-F238E27FC236}">
+                <a16:creationId xmlns:a16="http://schemas.microsoft.com/office/drawing/2014/main" id="{FE102B51-34FB-4810-BD3D-CA096E5F2C5E}"/>
+              </a:ext>
+            </a:extLst>
+          </p:cNvPr>
+          <p:cNvSpPr>
+            <a:spLocks noGrp="1"/>
+          </p:cNvSpPr>
+          <p:nvPr>
+            <p:ph type="subTitle" idx="1"/>
+          </p:nvPr>
         </p:nvSpPr>
         <p:spPr>
           <a:xfrm>
-            <a:off x="-49942" y="0"/>
-            <a:ext cx="12241942" cy="461665"/>
+            <a:off x="453081" y="560173"/>
+            <a:ext cx="10214919" cy="4697627"/>
           </a:xfrm>
-          <a:prstGeom prst="rect">
-            <a:avLst/>
-          </a:prstGeom>
-          <a:noFill/>
         </p:spPr>
         <p:txBody>
-          <a:bodyPr wrap="square" rtlCol="0">
-            <a:spAutoFit/>
+          <a:bodyPr>
+            <a:normAutofit/>
           </a:bodyPr>
           <a:lstStyle/>
           <a:p>
-            <a:pPr algn="ctr"/>
-            <a:r>
-              <a:rPr lang="en-US" sz="2400" u="sng" dirty="0"/>
-              <a:t> % Relative Abundance violin plot comparisons of DESeq2 Identified Phyla</a:t>
-            </a:r>
-          </a:p>
-        </p:txBody>
-      </p:sp>
+            <a:pPr algn="l"/>
+            <a:r>
+              <a:rPr lang="en-US" b="1" dirty="0"/>
+              <a:t>Issue: </a:t>
+            </a:r>
+            <a:r>
+              <a:rPr lang="en-US" dirty="0"/>
+              <a:t>there are homopolymers (26nt AAAAAA) reads that passed filtering, and  being classified as </a:t>
+            </a:r>
+            <a:r>
+              <a:rPr lang="en-US" i="1" dirty="0"/>
+              <a:t>Firmicutes</a:t>
+            </a:r>
+            <a:r>
+              <a:rPr lang="en-US" dirty="0"/>
+              <a:t> by Kraken2, followed by Bracken re-estimation into </a:t>
+            </a:r>
+            <a:r>
+              <a:rPr lang="en-US" i="1" dirty="0"/>
+              <a:t>Bacillus anthracis</a:t>
+            </a:r>
+            <a:br>
+              <a:rPr lang="en-US" i="1" dirty="0"/>
+            </a:br>
+            <a:endParaRPr lang="en-US" i="1" dirty="0"/>
+          </a:p>
+          <a:p>
+            <a:pPr algn="l"/>
+            <a:r>
+              <a:rPr lang="en-US" b="1" dirty="0"/>
+              <a:t>Objective: </a:t>
+            </a:r>
+            <a:r>
+              <a:rPr lang="en-US" dirty="0"/>
+              <a:t>Determine if filtering out the low complexity regions from the dataset prior to Kraken2 fixed the issue with Bracken incorrectly over estimations of false taxa</a:t>
+            </a:r>
+          </a:p>
+          <a:p>
+            <a:pPr algn="l"/>
+            <a:r>
+              <a:rPr lang="en-US" b="1" dirty="0"/>
+              <a:t>Secondary Objective: </a:t>
+            </a:r>
+            <a:r>
+              <a:rPr lang="en-US" dirty="0"/>
+              <a:t>Identify the effects of utilizing varying confidence interval stringencies in the Kraken2 classification step.</a:t>
+            </a:r>
+          </a:p>
+        </p:txBody>
+      </p:sp>
+    </p:spTree>
+    <p:extLst>
+      <p:ext uri="{BB962C8B-B14F-4D97-AF65-F5344CB8AC3E}">
+        <p14:creationId xmlns:p14="http://schemas.microsoft.com/office/powerpoint/2010/main" val="3683799115"/>
+      </p:ext>
+    </p:extLst>
+  </p:cSld>
+  <p:clrMapOvr>
+    <a:masterClrMapping/>
+  </p:clrMapOvr>
+</p:sld>
+</file>
+
+<file path=ppt/slides/slide17.xml><?xml version="1.0" encoding="utf-8"?>
+<p:sld xmlns:a="http://schemas.openxmlformats.org/drawingml/2006/main" xmlns:r="http://schemas.openxmlformats.org/officeDocument/2006/relationships" xmlns:p="http://schemas.openxmlformats.org/presentationml/2006/main">
+  <p:cSld>
+    <p:spTree>
+      <p:nvGrpSpPr>
+        <p:cNvPr id="1" name=""/>
+        <p:cNvGrpSpPr/>
+        <p:nvPr/>
+      </p:nvGrpSpPr>
+      <p:grpSpPr>
+        <a:xfrm>
+          <a:off x="0" y="0"/>
+          <a:ext cx="0" cy="0"/>
+          <a:chOff x="0" y="0"/>
+          <a:chExt cx="0" cy="0"/>
+        </a:xfrm>
+      </p:grpSpPr>
+      <p:grpSp>
+        <p:nvGrpSpPr>
+          <p:cNvPr id="10" name="Group 9">
+            <a:extLst>
+              <a:ext uri="{FF2B5EF4-FFF2-40B4-BE49-F238E27FC236}">
+                <a16:creationId xmlns:a16="http://schemas.microsoft.com/office/drawing/2014/main" id="{08EE5CC7-111B-4C32-885C-EAFAADAC57DA}"/>
+              </a:ext>
+            </a:extLst>
+          </p:cNvPr>
+          <p:cNvGrpSpPr/>
+          <p:nvPr/>
+        </p:nvGrpSpPr>
+        <p:grpSpPr>
+          <a:xfrm>
+            <a:off x="172999" y="1713472"/>
+            <a:ext cx="11804811" cy="3431057"/>
+            <a:chOff x="172999" y="0"/>
+            <a:chExt cx="11804811" cy="3431057"/>
+          </a:xfrm>
+        </p:grpSpPr>
+        <p:pic>
+          <p:nvPicPr>
+            <p:cNvPr id="5" name="Picture 4" descr="A close up of a logo&#10;&#10;Description automatically generated">
+              <a:extLst>
+                <a:ext uri="{FF2B5EF4-FFF2-40B4-BE49-F238E27FC236}">
+                  <a16:creationId xmlns:a16="http://schemas.microsoft.com/office/drawing/2014/main" id="{2ED02FD3-6912-4536-8DA8-BBB4A6CAF37E}"/>
+                </a:ext>
+              </a:extLst>
+            </p:cNvPr>
+            <p:cNvPicPr>
+              <a:picLocks noChangeAspect="1"/>
+            </p:cNvPicPr>
+            <p:nvPr/>
+          </p:nvPicPr>
+          <p:blipFill>
+            <a:blip r:embed="rId2">
+              <a:extLst>
+                <a:ext uri="{28A0092B-C50C-407E-A947-70E740481C1C}">
+                  <a14:useLocalDpi xmlns:a14="http://schemas.microsoft.com/office/drawing/2010/main" val="0"/>
+                </a:ext>
+              </a:extLst>
+            </a:blip>
+            <a:stretch>
+              <a:fillRect/>
+            </a:stretch>
+          </p:blipFill>
+          <p:spPr>
+            <a:xfrm>
+              <a:off x="8546753" y="0"/>
+              <a:ext cx="3431057" cy="3431057"/>
+            </a:xfrm>
+            <a:prstGeom prst="rect">
+              <a:avLst/>
+            </a:prstGeom>
+            <a:ln>
+              <a:solidFill>
+                <a:schemeClr val="tx1"/>
+              </a:solidFill>
+            </a:ln>
+          </p:spPr>
+        </p:pic>
+        <p:pic>
+          <p:nvPicPr>
+            <p:cNvPr id="9" name="Picture 8" descr="A picture containing lot, sitting, bus, small&#10;&#10;Description automatically generated">
+              <a:extLst>
+                <a:ext uri="{FF2B5EF4-FFF2-40B4-BE49-F238E27FC236}">
+                  <a16:creationId xmlns:a16="http://schemas.microsoft.com/office/drawing/2014/main" id="{A0640984-3BA2-4DCA-BB48-553ACA2C09DF}"/>
+                </a:ext>
+              </a:extLst>
+            </p:cNvPr>
+            <p:cNvPicPr>
+              <a:picLocks noChangeAspect="1"/>
+            </p:cNvPicPr>
+            <p:nvPr/>
+          </p:nvPicPr>
+          <p:blipFill>
+            <a:blip r:embed="rId3">
+              <a:extLst>
+                <a:ext uri="{28A0092B-C50C-407E-A947-70E740481C1C}">
+                  <a14:useLocalDpi xmlns:a14="http://schemas.microsoft.com/office/drawing/2010/main" val="0"/>
+                </a:ext>
+              </a:extLst>
+            </a:blip>
+            <a:stretch>
+              <a:fillRect/>
+            </a:stretch>
+          </p:blipFill>
+          <p:spPr>
+            <a:xfrm>
+              <a:off x="172999" y="401594"/>
+              <a:ext cx="8068962" cy="2689654"/>
+            </a:xfrm>
+            <a:prstGeom prst="rect">
+              <a:avLst/>
+            </a:prstGeom>
+            <a:ln>
+              <a:solidFill>
+                <a:schemeClr val="tx1"/>
+              </a:solidFill>
+            </a:ln>
+          </p:spPr>
+        </p:pic>
+      </p:grpSp>
+    </p:spTree>
+    <p:extLst>
+      <p:ext uri="{BB962C8B-B14F-4D97-AF65-F5344CB8AC3E}">
+        <p14:creationId xmlns:p14="http://schemas.microsoft.com/office/powerpoint/2010/main" val="3098541598"/>
+      </p:ext>
+    </p:extLst>
+  </p:cSld>
+  <p:clrMapOvr>
+    <a:masterClrMapping/>
+  </p:clrMapOvr>
+</p:sld>
+</file>
+
+<file path=ppt/slides/slide18.xml><?xml version="1.0" encoding="utf-8"?>
+<p:sld xmlns:a="http://schemas.openxmlformats.org/drawingml/2006/main" xmlns:r="http://schemas.openxmlformats.org/officeDocument/2006/relationships" xmlns:p="http://schemas.openxmlformats.org/presentationml/2006/main">
+  <p:cSld>
+    <p:spTree>
+      <p:nvGrpSpPr>
+        <p:cNvPr id="1" name=""/>
+        <p:cNvGrpSpPr/>
+        <p:nvPr/>
+      </p:nvGrpSpPr>
+      <p:grpSpPr>
+        <a:xfrm>
+          <a:off x="0" y="0"/>
+          <a:ext cx="0" cy="0"/>
+          <a:chOff x="0" y="0"/>
+          <a:chExt cx="0" cy="0"/>
+        </a:xfrm>
+      </p:grpSpPr>
       <p:pic>
         <p:nvPicPr>
-          <p:cNvPr id="5" name="Picture 4" descr="A close up of a logo&#10;&#10;Description automatically generated">
-            <a:extLst>
-              <a:ext uri="{FF2B5EF4-FFF2-40B4-BE49-F238E27FC236}">
-                <a16:creationId xmlns:a16="http://schemas.microsoft.com/office/drawing/2014/main" id="{BB79120A-8036-46CC-B415-D2E0C474045F}"/>
+          <p:cNvPr id="15" name="Picture 14">
+            <a:extLst>
+              <a:ext uri="{FF2B5EF4-FFF2-40B4-BE49-F238E27FC236}">
+                <a16:creationId xmlns:a16="http://schemas.microsoft.com/office/drawing/2014/main" id="{F15957CB-2C46-497D-A22D-D9B034A0C0F2}"/>
               </a:ext>
             </a:extLst>
           </p:cNvPr>
@@ -6711,7 +6151,7 @@
           </p:cNvPicPr>
           <p:nvPr/>
         </p:nvPicPr>
-        <p:blipFill>
+        <p:blipFill rotWithShape="1">
           <a:blip r:embed="rId2">
             <a:extLst>
               <a:ext uri="{28A0092B-C50C-407E-A947-70E740481C1C}">
@@ -6719,24 +6159,658 @@
               </a:ext>
             </a:extLst>
           </a:blip>
-          <a:stretch>
-            <a:fillRect/>
-          </a:stretch>
+          <a:srcRect r="55377"/>
+          <a:stretch/>
         </p:blipFill>
         <p:spPr>
           <a:xfrm>
-            <a:off x="0" y="512064"/>
-            <a:ext cx="6345936" cy="6345936"/>
+            <a:off x="0" y="0"/>
+            <a:ext cx="3060253" cy="6858000"/>
           </a:xfrm>
           <a:prstGeom prst="rect">
             <a:avLst/>
           </a:prstGeom>
         </p:spPr>
       </p:pic>
+      <p:grpSp>
+        <p:nvGrpSpPr>
+          <p:cNvPr id="20" name="Group 19">
+            <a:extLst>
+              <a:ext uri="{FF2B5EF4-FFF2-40B4-BE49-F238E27FC236}">
+                <a16:creationId xmlns:a16="http://schemas.microsoft.com/office/drawing/2014/main" id="{B6AF0F5B-CBF1-47A5-B2D1-F3F6E19C62F3}"/>
+              </a:ext>
+            </a:extLst>
+          </p:cNvPr>
+          <p:cNvGrpSpPr/>
+          <p:nvPr/>
+        </p:nvGrpSpPr>
+        <p:grpSpPr>
+          <a:xfrm>
+            <a:off x="3191974" y="649041"/>
+            <a:ext cx="1860966" cy="5559919"/>
+            <a:chOff x="3191974" y="419292"/>
+            <a:chExt cx="1860966" cy="5559919"/>
+          </a:xfrm>
+        </p:grpSpPr>
+        <p:pic>
+          <p:nvPicPr>
+            <p:cNvPr id="19" name="Picture 18">
+              <a:extLst>
+                <a:ext uri="{FF2B5EF4-FFF2-40B4-BE49-F238E27FC236}">
+                  <a16:creationId xmlns:a16="http://schemas.microsoft.com/office/drawing/2014/main" id="{D0684FAF-35B4-45A3-B294-61F552366B1E}"/>
+                </a:ext>
+              </a:extLst>
+            </p:cNvPr>
+            <p:cNvPicPr>
+              <a:picLocks noChangeAspect="1"/>
+            </p:cNvPicPr>
+            <p:nvPr/>
+          </p:nvPicPr>
+          <p:blipFill rotWithShape="1">
+            <a:blip r:embed="rId2">
+              <a:extLst>
+                <a:ext uri="{28A0092B-C50C-407E-A947-70E740481C1C}">
+                  <a14:useLocalDpi xmlns:a14="http://schemas.microsoft.com/office/drawing/2010/main" val="0"/>
+                </a:ext>
+              </a:extLst>
+            </a:blip>
+            <a:srcRect l="73557" t="22032" b="39308"/>
+            <a:stretch/>
+          </p:blipFill>
+          <p:spPr>
+            <a:xfrm>
+              <a:off x="3191974" y="3327910"/>
+              <a:ext cx="1813483" cy="2651301"/>
+            </a:xfrm>
+            <a:prstGeom prst="rect">
+              <a:avLst/>
+            </a:prstGeom>
+          </p:spPr>
+        </p:pic>
+        <p:pic>
+          <p:nvPicPr>
+            <p:cNvPr id="17" name="Picture 16">
+              <a:extLst>
+                <a:ext uri="{FF2B5EF4-FFF2-40B4-BE49-F238E27FC236}">
+                  <a16:creationId xmlns:a16="http://schemas.microsoft.com/office/drawing/2014/main" id="{486618F4-9F96-455E-94B8-FA6C3F049B87}"/>
+                </a:ext>
+              </a:extLst>
+            </p:cNvPr>
+            <p:cNvPicPr>
+              <a:picLocks noChangeAspect="1"/>
+            </p:cNvPicPr>
+            <p:nvPr/>
+          </p:nvPicPr>
+          <p:blipFill rotWithShape="1">
+            <a:blip r:embed="rId2">
+              <a:extLst>
+                <a:ext uri="{28A0092B-C50C-407E-A947-70E740481C1C}">
+                  <a14:useLocalDpi xmlns:a14="http://schemas.microsoft.com/office/drawing/2010/main" val="0"/>
+                </a:ext>
+              </a:extLst>
+            </a:blip>
+            <a:srcRect l="46622" t="19955" r="26443" b="36159"/>
+            <a:stretch/>
+          </p:blipFill>
+          <p:spPr>
+            <a:xfrm>
+              <a:off x="3205759" y="419292"/>
+              <a:ext cx="1847181" cy="3009708"/>
+            </a:xfrm>
+            <a:prstGeom prst="rect">
+              <a:avLst/>
+            </a:prstGeom>
+          </p:spPr>
+        </p:pic>
+      </p:grpSp>
+      <p:sp>
+        <p:nvSpPr>
+          <p:cNvPr id="22" name="TextBox 21">
+            <a:extLst>
+              <a:ext uri="{FF2B5EF4-FFF2-40B4-BE49-F238E27FC236}">
+                <a16:creationId xmlns:a16="http://schemas.microsoft.com/office/drawing/2014/main" id="{0B3F7E98-B461-4665-A403-121DFD862367}"/>
+              </a:ext>
+            </a:extLst>
+          </p:cNvPr>
+          <p:cNvSpPr txBox="1"/>
+          <p:nvPr/>
+        </p:nvSpPr>
+        <p:spPr>
+          <a:xfrm>
+            <a:off x="4824724" y="299650"/>
+            <a:ext cx="7367276" cy="3970318"/>
+          </a:xfrm>
+          <a:prstGeom prst="rect">
+            <a:avLst/>
+          </a:prstGeom>
+          <a:solidFill>
+            <a:schemeClr val="tx2">
+              <a:lumMod val="50000"/>
+            </a:schemeClr>
+          </a:solidFill>
+        </p:spPr>
+        <p:txBody>
+          <a:bodyPr wrap="square">
+            <a:spAutoFit/>
+          </a:bodyPr>
+          <a:lstStyle/>
+          <a:p>
+            <a:r>
+              <a:rPr lang="en-US" sz="1400" dirty="0">
+                <a:solidFill>
+                  <a:schemeClr val="bg1">
+                    <a:lumMod val="50000"/>
+                  </a:schemeClr>
+                </a:solidFill>
+                <a:latin typeface="Lucida Console" panose="020B0609040504020204" pitchFamily="49" charset="0"/>
+              </a:rPr>
+              <a:t>#make the </a:t>
+            </a:r>
+            <a:r>
+              <a:rPr lang="en-US" sz="1400" dirty="0" err="1">
+                <a:solidFill>
+                  <a:schemeClr val="bg1">
+                    <a:lumMod val="50000"/>
+                  </a:schemeClr>
+                </a:solidFill>
+                <a:latin typeface="Lucida Console" panose="020B0609040504020204" pitchFamily="49" charset="0"/>
+              </a:rPr>
+              <a:t>phyloseq</a:t>
+            </a:r>
+            <a:r>
+              <a:rPr lang="en-US" sz="1400" dirty="0">
+                <a:solidFill>
+                  <a:schemeClr val="bg1">
+                    <a:lumMod val="50000"/>
+                  </a:schemeClr>
+                </a:solidFill>
+                <a:latin typeface="Lucida Console" panose="020B0609040504020204" pitchFamily="49" charset="0"/>
+              </a:rPr>
+              <a:t> object</a:t>
+            </a:r>
+          </a:p>
+          <a:p>
+            <a:r>
+              <a:rPr lang="en-US" sz="1400" dirty="0">
+                <a:solidFill>
+                  <a:schemeClr val="bg1"/>
+                </a:solidFill>
+                <a:latin typeface="Lucida Console" panose="020B0609040504020204" pitchFamily="49" charset="0"/>
+              </a:rPr>
+              <a:t>CRR125950&lt;-</a:t>
+            </a:r>
+            <a:r>
+              <a:rPr lang="en-US" sz="1400" dirty="0" err="1">
+                <a:solidFill>
+                  <a:schemeClr val="bg1"/>
+                </a:solidFill>
+                <a:latin typeface="Lucida Console" panose="020B0609040504020204" pitchFamily="49" charset="0"/>
+              </a:rPr>
+              <a:t>phyloseq</a:t>
+            </a:r>
+            <a:r>
+              <a:rPr lang="en-US" sz="1400" dirty="0">
+                <a:solidFill>
+                  <a:schemeClr val="bg1"/>
+                </a:solidFill>
+                <a:latin typeface="Lucida Console" panose="020B0609040504020204" pitchFamily="49" charset="0"/>
+              </a:rPr>
+              <a:t>(</a:t>
+            </a:r>
+            <a:r>
+              <a:rPr lang="en-US" sz="1400" dirty="0" err="1">
+                <a:solidFill>
+                  <a:schemeClr val="bg1"/>
+                </a:solidFill>
+                <a:latin typeface="Lucida Console" panose="020B0609040504020204" pitchFamily="49" charset="0"/>
+              </a:rPr>
+              <a:t>otu,tax,sam</a:t>
+            </a:r>
+            <a:r>
+              <a:rPr lang="en-US" sz="1400" dirty="0">
+                <a:solidFill>
+                  <a:schemeClr val="bg1"/>
+                </a:solidFill>
+                <a:latin typeface="Lucida Console" panose="020B0609040504020204" pitchFamily="49" charset="0"/>
+              </a:rPr>
+              <a:t>)</a:t>
+            </a:r>
+          </a:p>
+          <a:p>
+            <a:r>
+              <a:rPr lang="en-US" sz="1400" dirty="0">
+                <a:solidFill>
+                  <a:schemeClr val="bg1">
+                    <a:lumMod val="50000"/>
+                  </a:schemeClr>
+                </a:solidFill>
+                <a:latin typeface="Lucida Console" panose="020B0609040504020204" pitchFamily="49" charset="0"/>
+              </a:rPr>
+              <a:t>#get rid of eukaryotic, and </a:t>
+            </a:r>
+            <a:r>
+              <a:rPr lang="en-US" sz="1400" dirty="0" err="1">
+                <a:solidFill>
+                  <a:schemeClr val="bg1">
+                    <a:lumMod val="50000"/>
+                  </a:schemeClr>
+                </a:solidFill>
+                <a:latin typeface="Lucida Console" panose="020B0609040504020204" pitchFamily="49" charset="0"/>
+              </a:rPr>
+              <a:t>archeal</a:t>
+            </a:r>
+            <a:r>
+              <a:rPr lang="en-US" sz="1400" dirty="0">
+                <a:solidFill>
+                  <a:schemeClr val="bg1">
+                    <a:lumMod val="50000"/>
+                  </a:schemeClr>
+                </a:solidFill>
+                <a:latin typeface="Lucida Console" panose="020B0609040504020204" pitchFamily="49" charset="0"/>
+              </a:rPr>
+              <a:t>, and viral hits</a:t>
+            </a:r>
+          </a:p>
+          <a:p>
+            <a:r>
+              <a:rPr lang="en-US" sz="1400" dirty="0">
+                <a:solidFill>
+                  <a:schemeClr val="bg1"/>
+                </a:solidFill>
+                <a:latin typeface="Lucida Console" panose="020B0609040504020204" pitchFamily="49" charset="0"/>
+              </a:rPr>
+              <a:t>CRR125950&lt;-</a:t>
+            </a:r>
+            <a:r>
+              <a:rPr lang="en-US" sz="1400" dirty="0" err="1">
+                <a:solidFill>
+                  <a:schemeClr val="bg1"/>
+                </a:solidFill>
+                <a:latin typeface="Lucida Console" panose="020B0609040504020204" pitchFamily="49" charset="0"/>
+              </a:rPr>
+              <a:t>subset_taxa</a:t>
+            </a:r>
+            <a:r>
+              <a:rPr lang="en-US" sz="1400" dirty="0">
+                <a:solidFill>
+                  <a:schemeClr val="bg1"/>
+                </a:solidFill>
+                <a:latin typeface="Lucida Console" panose="020B0609040504020204" pitchFamily="49" charset="0"/>
+              </a:rPr>
+              <a:t>(</a:t>
+            </a:r>
+            <a:r>
+              <a:rPr lang="en-US" sz="1400" dirty="0" err="1">
+                <a:solidFill>
+                  <a:schemeClr val="bg1"/>
+                </a:solidFill>
+                <a:latin typeface="Lucida Console" panose="020B0609040504020204" pitchFamily="49" charset="0"/>
+              </a:rPr>
+              <a:t>physeq</a:t>
+            </a:r>
+            <a:r>
+              <a:rPr lang="en-US" sz="1400" dirty="0">
+                <a:solidFill>
+                  <a:schemeClr val="bg1"/>
+                </a:solidFill>
+                <a:latin typeface="Lucida Console" panose="020B0609040504020204" pitchFamily="49" charset="0"/>
+              </a:rPr>
+              <a:t> = CRR125950, domain=="Bacteria")</a:t>
+            </a:r>
+          </a:p>
+          <a:p>
+            <a:r>
+              <a:rPr lang="en-US" sz="1400" dirty="0">
+                <a:solidFill>
+                  <a:schemeClr val="bg1">
+                    <a:lumMod val="50000"/>
+                  </a:schemeClr>
+                </a:solidFill>
+                <a:latin typeface="Lucida Console" panose="020B0609040504020204" pitchFamily="49" charset="0"/>
+              </a:rPr>
+              <a:t>#transfrom into a relative abundance</a:t>
+            </a:r>
+          </a:p>
+          <a:p>
+            <a:r>
+              <a:rPr lang="en-US" sz="1400" dirty="0">
+                <a:solidFill>
+                  <a:schemeClr val="bg1"/>
+                </a:solidFill>
+                <a:latin typeface="Lucida Console" panose="020B0609040504020204" pitchFamily="49" charset="0"/>
+              </a:rPr>
+              <a:t>CRR125950_rel&lt;-microbiome::transform(CRR125950, "compositional")</a:t>
+            </a:r>
+          </a:p>
+          <a:p>
+            <a:r>
+              <a:rPr lang="en-US" sz="1400" dirty="0">
+                <a:solidFill>
+                  <a:schemeClr val="bg1">
+                    <a:lumMod val="50000"/>
+                  </a:schemeClr>
+                </a:solidFill>
+                <a:latin typeface="Lucida Console" panose="020B0609040504020204" pitchFamily="49" charset="0"/>
+              </a:rPr>
+              <a:t>#subset the core </a:t>
+            </a:r>
+            <a:r>
+              <a:rPr lang="en-US" sz="1400" dirty="0" err="1">
+                <a:solidFill>
+                  <a:schemeClr val="bg1">
+                    <a:lumMod val="50000"/>
+                  </a:schemeClr>
+                </a:solidFill>
+                <a:latin typeface="Lucida Console" panose="020B0609040504020204" pitchFamily="49" charset="0"/>
+              </a:rPr>
+              <a:t>mriobiota</a:t>
+            </a:r>
+            <a:r>
+              <a:rPr lang="en-US" sz="1400" dirty="0">
+                <a:solidFill>
+                  <a:schemeClr val="bg1">
+                    <a:lumMod val="50000"/>
+                  </a:schemeClr>
+                </a:solidFill>
+                <a:latin typeface="Lucida Console" panose="020B0609040504020204" pitchFamily="49" charset="0"/>
+              </a:rPr>
+              <a:t> &gt;0.5% prevalence and 0.5% detection</a:t>
+            </a:r>
+          </a:p>
+          <a:p>
+            <a:r>
+              <a:rPr lang="en-US" sz="1400" dirty="0">
+                <a:solidFill>
+                  <a:schemeClr val="bg1"/>
+                </a:solidFill>
+                <a:latin typeface="Lucida Console" panose="020B0609040504020204" pitchFamily="49" charset="0"/>
+              </a:rPr>
+              <a:t>CRR125950_core&lt;-core(x = CRR125950_rel, detection = 0.5/100, prevalence = 0.5/100)</a:t>
+            </a:r>
+          </a:p>
+          <a:p>
+            <a:r>
+              <a:rPr lang="en-US" sz="1400" dirty="0">
+                <a:solidFill>
+                  <a:schemeClr val="bg1">
+                    <a:lumMod val="50000"/>
+                  </a:schemeClr>
+                </a:solidFill>
+                <a:latin typeface="Lucida Console" panose="020B0609040504020204" pitchFamily="49" charset="0"/>
+              </a:rPr>
+              <a:t>#make the names the species</a:t>
+            </a:r>
+          </a:p>
+          <a:p>
+            <a:r>
+              <a:rPr lang="en-US" sz="1400" dirty="0" err="1">
+                <a:solidFill>
+                  <a:schemeClr val="bg1"/>
+                </a:solidFill>
+                <a:latin typeface="Lucida Console" panose="020B0609040504020204" pitchFamily="49" charset="0"/>
+              </a:rPr>
+              <a:t>tax_glom</a:t>
+            </a:r>
+            <a:r>
+              <a:rPr lang="en-US" sz="1400" dirty="0">
+                <a:solidFill>
+                  <a:schemeClr val="bg1"/>
+                </a:solidFill>
+                <a:latin typeface="Lucida Console" panose="020B0609040504020204" pitchFamily="49" charset="0"/>
+              </a:rPr>
+              <a:t>(CRR125950_core,taxrank = "species", </a:t>
+            </a:r>
+            <a:r>
+              <a:rPr lang="en-US" sz="1400" dirty="0" err="1">
+                <a:solidFill>
+                  <a:schemeClr val="bg1"/>
+                </a:solidFill>
+                <a:latin typeface="Lucida Console" panose="020B0609040504020204" pitchFamily="49" charset="0"/>
+              </a:rPr>
+              <a:t>NArm</a:t>
+            </a:r>
+            <a:r>
+              <a:rPr lang="en-US" sz="1400" dirty="0">
+                <a:solidFill>
+                  <a:schemeClr val="bg1"/>
+                </a:solidFill>
+                <a:latin typeface="Lucida Console" panose="020B0609040504020204" pitchFamily="49" charset="0"/>
+              </a:rPr>
+              <a:t> = T )</a:t>
+            </a:r>
+          </a:p>
+          <a:p>
+            <a:r>
+              <a:rPr lang="en-US" sz="1400" dirty="0" err="1">
+                <a:solidFill>
+                  <a:schemeClr val="bg1"/>
+                </a:solidFill>
+                <a:latin typeface="Lucida Console" panose="020B0609040504020204" pitchFamily="49" charset="0"/>
+              </a:rPr>
+              <a:t>taxa_names</a:t>
+            </a:r>
+            <a:r>
+              <a:rPr lang="en-US" sz="1400" dirty="0">
+                <a:solidFill>
+                  <a:schemeClr val="bg1"/>
+                </a:solidFill>
+                <a:latin typeface="Lucida Console" panose="020B0609040504020204" pitchFamily="49" charset="0"/>
+              </a:rPr>
+              <a:t>(CRR125950_core)&lt;-</a:t>
+            </a:r>
+            <a:r>
+              <a:rPr lang="en-US" sz="1400" dirty="0" err="1">
+                <a:solidFill>
+                  <a:schemeClr val="bg1"/>
+                </a:solidFill>
+                <a:latin typeface="Lucida Console" panose="020B0609040504020204" pitchFamily="49" charset="0"/>
+              </a:rPr>
+              <a:t>get_taxa_unique</a:t>
+            </a:r>
+            <a:r>
+              <a:rPr lang="en-US" sz="1400" dirty="0">
+                <a:solidFill>
+                  <a:schemeClr val="bg1"/>
+                </a:solidFill>
+                <a:latin typeface="Lucida Console" panose="020B0609040504020204" pitchFamily="49" charset="0"/>
+              </a:rPr>
+              <a:t>(</a:t>
+            </a:r>
+            <a:r>
+              <a:rPr lang="en-US" sz="1400" dirty="0" err="1">
+                <a:solidFill>
+                  <a:schemeClr val="bg1"/>
+                </a:solidFill>
+                <a:latin typeface="Lucida Console" panose="020B0609040504020204" pitchFamily="49" charset="0"/>
+              </a:rPr>
+              <a:t>physeq</a:t>
+            </a:r>
+            <a:r>
+              <a:rPr lang="en-US" sz="1400" dirty="0">
+                <a:solidFill>
+                  <a:schemeClr val="bg1"/>
+                </a:solidFill>
+                <a:latin typeface="Lucida Console" panose="020B0609040504020204" pitchFamily="49" charset="0"/>
+              </a:rPr>
+              <a:t> = CRR125950_core, </a:t>
+            </a:r>
+            <a:r>
+              <a:rPr lang="en-US" sz="1400" dirty="0" err="1">
+                <a:solidFill>
+                  <a:schemeClr val="bg1"/>
+                </a:solidFill>
+                <a:latin typeface="Lucida Console" panose="020B0609040504020204" pitchFamily="49" charset="0"/>
+              </a:rPr>
+              <a:t>taxonomic.rank</a:t>
+            </a:r>
+            <a:r>
+              <a:rPr lang="en-US" sz="1400" dirty="0">
+                <a:solidFill>
+                  <a:schemeClr val="bg1"/>
+                </a:solidFill>
+                <a:latin typeface="Lucida Console" panose="020B0609040504020204" pitchFamily="49" charset="0"/>
+              </a:rPr>
+              <a:t> = "species")</a:t>
+            </a:r>
+          </a:p>
+          <a:p>
+            <a:r>
+              <a:rPr lang="en-US" sz="1400" dirty="0">
+                <a:solidFill>
+                  <a:schemeClr val="bg1">
+                    <a:lumMod val="50000"/>
+                  </a:schemeClr>
+                </a:solidFill>
+                <a:latin typeface="Lucida Console" panose="020B0609040504020204" pitchFamily="49" charset="0"/>
+              </a:rPr>
+              <a:t>#plot it up by confidence</a:t>
+            </a:r>
+          </a:p>
+          <a:p>
+            <a:r>
+              <a:rPr lang="en-US" sz="1400" dirty="0" err="1">
+                <a:solidFill>
+                  <a:schemeClr val="bg1"/>
+                </a:solidFill>
+                <a:latin typeface="Lucida Console" panose="020B0609040504020204" pitchFamily="49" charset="0"/>
+              </a:rPr>
+              <a:t>plot_composition</a:t>
+            </a:r>
+            <a:r>
+              <a:rPr lang="en-US" sz="1400" dirty="0">
+                <a:solidFill>
+                  <a:schemeClr val="bg1"/>
+                </a:solidFill>
+                <a:latin typeface="Lucida Console" panose="020B0609040504020204" pitchFamily="49" charset="0"/>
+              </a:rPr>
+              <a:t>(x = CRR125950_core, </a:t>
+            </a:r>
+            <a:r>
+              <a:rPr lang="en-US" sz="1400" dirty="0" err="1">
+                <a:solidFill>
+                  <a:schemeClr val="bg1"/>
+                </a:solidFill>
+                <a:latin typeface="Lucida Console" panose="020B0609040504020204" pitchFamily="49" charset="0"/>
+              </a:rPr>
+              <a:t>sample.sort</a:t>
+            </a:r>
+            <a:r>
+              <a:rPr lang="en-US" sz="1400" dirty="0">
+                <a:solidFill>
+                  <a:schemeClr val="bg1"/>
+                </a:solidFill>
+                <a:latin typeface="Lucida Console" panose="020B0609040504020204" pitchFamily="49" charset="0"/>
+              </a:rPr>
+              <a:t> = 'confidence', </a:t>
+            </a:r>
+            <a:r>
+              <a:rPr lang="en-US" sz="1400" dirty="0" err="1">
+                <a:solidFill>
+                  <a:schemeClr val="bg1"/>
+                </a:solidFill>
+                <a:latin typeface="Lucida Console" panose="020B0609040504020204" pitchFamily="49" charset="0"/>
+              </a:rPr>
+              <a:t>otu.sort</a:t>
+            </a:r>
+            <a:r>
+              <a:rPr lang="en-US" sz="1400" dirty="0">
+                <a:solidFill>
+                  <a:schemeClr val="bg1"/>
+                </a:solidFill>
+                <a:latin typeface="Lucida Console" panose="020B0609040504020204" pitchFamily="49" charset="0"/>
+              </a:rPr>
+              <a:t> = "</a:t>
+            </a:r>
+            <a:r>
+              <a:rPr lang="en-US" sz="1400" dirty="0" err="1">
+                <a:solidFill>
+                  <a:schemeClr val="bg1"/>
+                </a:solidFill>
+                <a:latin typeface="Lucida Console" panose="020B0609040504020204" pitchFamily="49" charset="0"/>
+              </a:rPr>
+              <a:t>abundance",verbose</a:t>
+            </a:r>
+            <a:r>
+              <a:rPr lang="en-US" sz="1400" dirty="0">
+                <a:solidFill>
+                  <a:schemeClr val="bg1"/>
+                </a:solidFill>
+                <a:latin typeface="Lucida Console" panose="020B0609040504020204" pitchFamily="49" charset="0"/>
+              </a:rPr>
+              <a:t> = T)+ </a:t>
+            </a:r>
+          </a:p>
+          <a:p>
+            <a:r>
+              <a:rPr lang="en-US" sz="1400" dirty="0">
+                <a:solidFill>
+                  <a:schemeClr val="bg1"/>
+                </a:solidFill>
+                <a:latin typeface="Lucida Console" panose="020B0609040504020204" pitchFamily="49" charset="0"/>
+              </a:rPr>
+              <a:t>  </a:t>
+            </a:r>
+            <a:r>
+              <a:rPr lang="en-US" sz="1400" dirty="0" err="1">
+                <a:solidFill>
+                  <a:schemeClr val="bg1"/>
+                </a:solidFill>
+                <a:latin typeface="Lucida Console" panose="020B0609040504020204" pitchFamily="49" charset="0"/>
+              </a:rPr>
+              <a:t>scale_fill_manual</a:t>
+            </a:r>
+            <a:r>
+              <a:rPr lang="en-US" sz="1400" dirty="0">
+                <a:solidFill>
+                  <a:schemeClr val="bg1"/>
+                </a:solidFill>
+                <a:latin typeface="Lucida Console" panose="020B0609040504020204" pitchFamily="49" charset="0"/>
+              </a:rPr>
+              <a:t>(values=rep( </a:t>
+            </a:r>
+            <a:r>
+              <a:rPr lang="en-US" sz="1400" dirty="0" err="1">
+                <a:solidFill>
+                  <a:schemeClr val="bg1"/>
+                </a:solidFill>
+                <a:latin typeface="Lucida Console" panose="020B0609040504020204" pitchFamily="49" charset="0"/>
+              </a:rPr>
+              <a:t>pal_npg</a:t>
+            </a:r>
+            <a:r>
+              <a:rPr lang="en-US" sz="1400" dirty="0">
+                <a:solidFill>
+                  <a:schemeClr val="bg1"/>
+                </a:solidFill>
+                <a:latin typeface="Lucida Console" panose="020B0609040504020204" pitchFamily="49" charset="0"/>
+              </a:rPr>
+              <a:t>("</a:t>
+            </a:r>
+            <a:r>
+              <a:rPr lang="en-US" sz="1400" dirty="0" err="1">
+                <a:solidFill>
+                  <a:schemeClr val="bg1"/>
+                </a:solidFill>
+                <a:latin typeface="Lucida Console" panose="020B0609040504020204" pitchFamily="49" charset="0"/>
+              </a:rPr>
+              <a:t>nrc</a:t>
+            </a:r>
+            <a:r>
+              <a:rPr lang="en-US" sz="1400" dirty="0">
+                <a:solidFill>
+                  <a:schemeClr val="bg1"/>
+                </a:solidFill>
+                <a:latin typeface="Lucida Console" panose="020B0609040504020204" pitchFamily="49" charset="0"/>
+              </a:rPr>
+              <a:t>", alpha = 1)(10),times=4))</a:t>
+            </a:r>
+          </a:p>
+        </p:txBody>
+      </p:sp>
     </p:spTree>
     <p:extLst>
       <p:ext uri="{BB962C8B-B14F-4D97-AF65-F5344CB8AC3E}">
-        <p14:creationId xmlns:p14="http://schemas.microsoft.com/office/powerpoint/2010/main" val="767770482"/>
+        <p14:creationId xmlns:p14="http://schemas.microsoft.com/office/powerpoint/2010/main" val="383534411"/>
       </p:ext>
     </p:extLst>
   </p:cSld>
@@ -7184,7 +7258,7 @@
           <p:cNvPr id="2" name="Title 1">
             <a:extLst>
               <a:ext uri="{FF2B5EF4-FFF2-40B4-BE49-F238E27FC236}">
-                <a16:creationId xmlns:a16="http://schemas.microsoft.com/office/drawing/2014/main" id="{13AB8E8A-422F-4D4F-B645-B62E50F66802}"/>
+                <a16:creationId xmlns:a16="http://schemas.microsoft.com/office/drawing/2014/main" id="{CD6B8409-6A99-4645-8924-052A53BB9442}"/>
               </a:ext>
             </a:extLst>
           </p:cNvPr>
@@ -7192,40 +7266,55 @@
             <a:spLocks noGrp="1"/>
           </p:cNvSpPr>
           <p:nvPr>
-            <p:ph type="title"/>
+            <p:ph type="ctrTitle"/>
           </p:nvPr>
         </p:nvSpPr>
-        <p:spPr>
-          <a:xfrm>
-            <a:off x="0" y="1"/>
-            <a:ext cx="11353800" cy="523187"/>
-          </a:xfrm>
-        </p:spPr>
+        <p:spPr/>
         <p:txBody>
           <a:bodyPr>
-            <a:normAutofit/>
+            <a:normAutofit fontScale="90000"/>
           </a:bodyPr>
           <a:lstStyle/>
           <a:p>
-            <a:pPr algn="ctr"/>
-            <a:r>
-              <a:rPr lang="en-US" sz="2400" b="0" i="0" dirty="0">
-                <a:solidFill>
-                  <a:srgbClr val="333333"/>
-                </a:solidFill>
-                <a:effectLst/>
-                <a:latin typeface="Helvetica Neue"/>
-              </a:rPr>
-              <a:t>Community typing with Dirichlet Multinomial Mixtures</a:t>
-            </a:r>
-            <a:endParaRPr lang="en-US" sz="2400" dirty="0"/>
+            <a:r>
+              <a:rPr lang="en-US" dirty="0"/>
+              <a:t>COVIRT-19 microbial subgroup analysis of BALF samples</a:t>
+            </a:r>
+          </a:p>
+        </p:txBody>
+      </p:sp>
+      <p:sp>
+        <p:nvSpPr>
+          <p:cNvPr id="3" name="Subtitle 2">
+            <a:extLst>
+              <a:ext uri="{FF2B5EF4-FFF2-40B4-BE49-F238E27FC236}">
+                <a16:creationId xmlns:a16="http://schemas.microsoft.com/office/drawing/2014/main" id="{4D0B40DB-D48E-479B-8EAD-9446BFAC97DA}"/>
+              </a:ext>
+            </a:extLst>
+          </p:cNvPr>
+          <p:cNvSpPr>
+            <a:spLocks noGrp="1"/>
+          </p:cNvSpPr>
+          <p:nvPr>
+            <p:ph type="subTitle" idx="1"/>
+          </p:nvPr>
+        </p:nvSpPr>
+        <p:spPr/>
+        <p:txBody>
+          <a:bodyPr/>
+          <a:lstStyle/>
+          <a:p>
+            <a:r>
+              <a:rPr lang="en-US" dirty="0"/>
+              <a:t>1 Sept 2020</a:t>
+            </a:r>
           </a:p>
         </p:txBody>
       </p:sp>
     </p:spTree>
     <p:extLst>
       <p:ext uri="{BB962C8B-B14F-4D97-AF65-F5344CB8AC3E}">
-        <p14:creationId xmlns:p14="http://schemas.microsoft.com/office/powerpoint/2010/main" val="610112780"/>
+        <p14:creationId xmlns:p14="http://schemas.microsoft.com/office/powerpoint/2010/main" val="3858849192"/>
       </p:ext>
     </p:extLst>
   </p:cSld>
@@ -7252,60 +7341,73 @@
           <a:chExt cx="0" cy="0"/>
         </a:xfrm>
       </p:grpSpPr>
-      <p:sp>
-        <p:nvSpPr>
-          <p:cNvPr id="2" name="Title 1">
-            <a:extLst>
-              <a:ext uri="{FF2B5EF4-FFF2-40B4-BE49-F238E27FC236}">
-                <a16:creationId xmlns:a16="http://schemas.microsoft.com/office/drawing/2014/main" id="{CD6B8409-6A99-4645-8924-052A53BB9442}"/>
-              </a:ext>
-            </a:extLst>
-          </p:cNvPr>
-          <p:cNvSpPr>
-            <a:spLocks noGrp="1"/>
-          </p:cNvSpPr>
-          <p:nvPr>
-            <p:ph type="ctrTitle"/>
-          </p:nvPr>
-        </p:nvSpPr>
-        <p:spPr/>
-        <p:txBody>
-          <a:bodyPr>
-            <a:normAutofit fontScale="90000"/>
+      <p:pic>
+        <p:nvPicPr>
+          <p:cNvPr id="5" name="Picture 4" descr="A screenshot of a cell phone&#10;&#10;Description automatically generated">
+            <a:extLst>
+              <a:ext uri="{FF2B5EF4-FFF2-40B4-BE49-F238E27FC236}">
+                <a16:creationId xmlns:a16="http://schemas.microsoft.com/office/drawing/2014/main" id="{7EAF672B-3DC8-44B5-8318-CEB12696943B}"/>
+              </a:ext>
+            </a:extLst>
+          </p:cNvPr>
+          <p:cNvPicPr>
+            <a:picLocks noChangeAspect="1"/>
+          </p:cNvPicPr>
+          <p:nvPr/>
+        </p:nvPicPr>
+        <p:blipFill rotWithShape="1">
+          <a:blip r:embed="rId2">
+            <a:extLst>
+              <a:ext uri="{28A0092B-C50C-407E-A947-70E740481C1C}">
+                <a14:useLocalDpi xmlns:a14="http://schemas.microsoft.com/office/drawing/2010/main" val="0"/>
+              </a:ext>
+            </a:extLst>
+          </a:blip>
+          <a:srcRect t="9302"/>
+          <a:stretch/>
+        </p:blipFill>
+        <p:spPr>
+          <a:xfrm>
+            <a:off x="0" y="574154"/>
+            <a:ext cx="12192000" cy="6220047"/>
+          </a:xfrm>
+          <a:prstGeom prst="rect">
+            <a:avLst/>
+          </a:prstGeom>
+        </p:spPr>
+      </p:pic>
+      <p:sp>
+        <p:nvSpPr>
+          <p:cNvPr id="7" name="TextBox 6">
+            <a:extLst>
+              <a:ext uri="{FF2B5EF4-FFF2-40B4-BE49-F238E27FC236}">
+                <a16:creationId xmlns:a16="http://schemas.microsoft.com/office/drawing/2014/main" id="{2F15BC58-3F41-47E8-8E7F-6970CA6D890F}"/>
+              </a:ext>
+            </a:extLst>
+          </p:cNvPr>
+          <p:cNvSpPr txBox="1"/>
+          <p:nvPr/>
+        </p:nvSpPr>
+        <p:spPr>
+          <a:xfrm>
+            <a:off x="504696" y="18246"/>
+            <a:ext cx="11260121" cy="461665"/>
+          </a:xfrm>
+          <a:prstGeom prst="rect">
+            <a:avLst/>
+          </a:prstGeom>
+          <a:noFill/>
+        </p:spPr>
+        <p:txBody>
+          <a:bodyPr wrap="square" rtlCol="0">
+            <a:spAutoFit/>
           </a:bodyPr>
           <a:lstStyle/>
           <a:p>
-            <a:r>
-              <a:rPr lang="en-US" dirty="0"/>
-              <a:t>COVIRT-19 microbial subgroup analysis of BALF samples</a:t>
-            </a:r>
-          </a:p>
-        </p:txBody>
-      </p:sp>
-      <p:sp>
-        <p:nvSpPr>
-          <p:cNvPr id="3" name="Subtitle 2">
-            <a:extLst>
-              <a:ext uri="{FF2B5EF4-FFF2-40B4-BE49-F238E27FC236}">
-                <a16:creationId xmlns:a16="http://schemas.microsoft.com/office/drawing/2014/main" id="{4D0B40DB-D48E-479B-8EAD-9446BFAC97DA}"/>
-              </a:ext>
-            </a:extLst>
-          </p:cNvPr>
-          <p:cNvSpPr>
-            <a:spLocks noGrp="1"/>
-          </p:cNvSpPr>
-          <p:nvPr>
-            <p:ph type="subTitle" idx="1"/>
-          </p:nvPr>
-        </p:nvSpPr>
-        <p:spPr/>
-        <p:txBody>
-          <a:bodyPr/>
-          <a:lstStyle/>
-          <a:p>
-            <a:r>
-              <a:rPr lang="en-US" dirty="0"/>
-              <a:t>1 Sept 2020</a:t>
+            <a:pPr algn="ctr"/>
+            <a:r>
+              <a:rPr lang="en-US" sz="2400" u="sng" dirty="0"/>
+              <a:t>Dendrogram of Euclidean distances of VST transformed counts by case</a:t>
             </a:r>
           </a:p>
         </p:txBody>
@@ -7313,7 +7415,7 @@
     </p:spTree>
     <p:extLst>
       <p:ext uri="{BB962C8B-B14F-4D97-AF65-F5344CB8AC3E}">
-        <p14:creationId xmlns:p14="http://schemas.microsoft.com/office/powerpoint/2010/main" val="3858849192"/>
+        <p14:creationId xmlns:p14="http://schemas.microsoft.com/office/powerpoint/2010/main" val="1271753763"/>
       </p:ext>
     </p:extLst>
   </p:cSld>
@@ -7342,107 +7444,6 @@
       </p:grpSpPr>
       <p:pic>
         <p:nvPicPr>
-          <p:cNvPr id="5" name="Picture 4" descr="A screenshot of a cell phone&#10;&#10;Description automatically generated">
-            <a:extLst>
-              <a:ext uri="{FF2B5EF4-FFF2-40B4-BE49-F238E27FC236}">
-                <a16:creationId xmlns:a16="http://schemas.microsoft.com/office/drawing/2014/main" id="{7EAF672B-3DC8-44B5-8318-CEB12696943B}"/>
-              </a:ext>
-            </a:extLst>
-          </p:cNvPr>
-          <p:cNvPicPr>
-            <a:picLocks noChangeAspect="1"/>
-          </p:cNvPicPr>
-          <p:nvPr/>
-        </p:nvPicPr>
-        <p:blipFill rotWithShape="1">
-          <a:blip r:embed="rId2">
-            <a:extLst>
-              <a:ext uri="{28A0092B-C50C-407E-A947-70E740481C1C}">
-                <a14:useLocalDpi xmlns:a14="http://schemas.microsoft.com/office/drawing/2010/main" val="0"/>
-              </a:ext>
-            </a:extLst>
-          </a:blip>
-          <a:srcRect t="9302"/>
-          <a:stretch/>
-        </p:blipFill>
-        <p:spPr>
-          <a:xfrm>
-            <a:off x="0" y="574154"/>
-            <a:ext cx="12192000" cy="6220047"/>
-          </a:xfrm>
-          <a:prstGeom prst="rect">
-            <a:avLst/>
-          </a:prstGeom>
-        </p:spPr>
-      </p:pic>
-      <p:sp>
-        <p:nvSpPr>
-          <p:cNvPr id="7" name="TextBox 6">
-            <a:extLst>
-              <a:ext uri="{FF2B5EF4-FFF2-40B4-BE49-F238E27FC236}">
-                <a16:creationId xmlns:a16="http://schemas.microsoft.com/office/drawing/2014/main" id="{2F15BC58-3F41-47E8-8E7F-6970CA6D890F}"/>
-              </a:ext>
-            </a:extLst>
-          </p:cNvPr>
-          <p:cNvSpPr txBox="1"/>
-          <p:nvPr/>
-        </p:nvSpPr>
-        <p:spPr>
-          <a:xfrm>
-            <a:off x="504696" y="18246"/>
-            <a:ext cx="11260121" cy="461665"/>
-          </a:xfrm>
-          <a:prstGeom prst="rect">
-            <a:avLst/>
-          </a:prstGeom>
-          <a:noFill/>
-        </p:spPr>
-        <p:txBody>
-          <a:bodyPr wrap="square" rtlCol="0">
-            <a:spAutoFit/>
-          </a:bodyPr>
-          <a:lstStyle/>
-          <a:p>
-            <a:pPr algn="ctr"/>
-            <a:r>
-              <a:rPr lang="en-US" sz="2400" u="sng" dirty="0"/>
-              <a:t>Dendrogram of Euclidean distances of VST transformed counts by case</a:t>
-            </a:r>
-          </a:p>
-        </p:txBody>
-      </p:sp>
-    </p:spTree>
-    <p:extLst>
-      <p:ext uri="{BB962C8B-B14F-4D97-AF65-F5344CB8AC3E}">
-        <p14:creationId xmlns:p14="http://schemas.microsoft.com/office/powerpoint/2010/main" val="1271753763"/>
-      </p:ext>
-    </p:extLst>
-  </p:cSld>
-  <p:clrMapOvr>
-    <a:masterClrMapping/>
-  </p:clrMapOvr>
-</p:sld>
-</file>
-
-<file path=ppt/slides/slide7.xml><?xml version="1.0" encoding="utf-8"?>
-<p:sld xmlns:a="http://schemas.openxmlformats.org/drawingml/2006/main" xmlns:r="http://schemas.openxmlformats.org/officeDocument/2006/relationships" xmlns:p="http://schemas.openxmlformats.org/presentationml/2006/main">
-  <p:cSld>
-    <p:spTree>
-      <p:nvGrpSpPr>
-        <p:cNvPr id="1" name=""/>
-        <p:cNvGrpSpPr/>
-        <p:nvPr/>
-      </p:nvGrpSpPr>
-      <p:grpSpPr>
-        <a:xfrm>
-          <a:off x="0" y="0"/>
-          <a:ext cx="0" cy="0"/>
-          <a:chOff x="0" y="0"/>
-          <a:chExt cx="0" cy="0"/>
-        </a:xfrm>
-      </p:grpSpPr>
-      <p:pic>
-        <p:nvPicPr>
           <p:cNvPr id="3" name="Picture 2" descr="A close up of a logo&#10;&#10;Description automatically generated">
             <a:extLst>
               <a:ext uri="{FF2B5EF4-FFF2-40B4-BE49-F238E27FC236}">
@@ -7525,7 +7526,7 @@
 </p:sld>
 </file>
 
-<file path=ppt/slides/slide8.xml><?xml version="1.0" encoding="utf-8"?>
+<file path=ppt/slides/slide7.xml><?xml version="1.0" encoding="utf-8"?>
 <p:sld xmlns:a="http://schemas.openxmlformats.org/drawingml/2006/main" xmlns:r="http://schemas.openxmlformats.org/officeDocument/2006/relationships" xmlns:p="http://schemas.openxmlformats.org/presentationml/2006/main">
   <p:cSld>
     <p:spTree>
@@ -7918,7 +7919,7 @@
 </p:sld>
 </file>
 
-<file path=ppt/slides/slide9.xml><?xml version="1.0" encoding="utf-8"?>
+<file path=ppt/slides/slide8.xml><?xml version="1.0" encoding="utf-8"?>
 <p:sld xmlns:a="http://schemas.openxmlformats.org/drawingml/2006/main" xmlns:r="http://schemas.openxmlformats.org/officeDocument/2006/relationships" xmlns:p="http://schemas.openxmlformats.org/presentationml/2006/main">
   <p:cSld>
     <p:spTree>
@@ -8070,6 +8071,144 @@
     <p:extLst>
       <p:ext uri="{BB962C8B-B14F-4D97-AF65-F5344CB8AC3E}">
         <p14:creationId xmlns:p14="http://schemas.microsoft.com/office/powerpoint/2010/main" val="1838013666"/>
+      </p:ext>
+    </p:extLst>
+  </p:cSld>
+  <p:clrMapOvr>
+    <a:masterClrMapping/>
+  </p:clrMapOvr>
+</p:sld>
+</file>
+
+<file path=ppt/slides/slide9.xml><?xml version="1.0" encoding="utf-8"?>
+<p:sld xmlns:a="http://schemas.openxmlformats.org/drawingml/2006/main" xmlns:r="http://schemas.openxmlformats.org/officeDocument/2006/relationships" xmlns:p="http://schemas.openxmlformats.org/presentationml/2006/main">
+  <p:cSld>
+    <p:spTree>
+      <p:nvGrpSpPr>
+        <p:cNvPr id="1" name=""/>
+        <p:cNvGrpSpPr/>
+        <p:nvPr/>
+      </p:nvGrpSpPr>
+      <p:grpSpPr>
+        <a:xfrm>
+          <a:off x="0" y="0"/>
+          <a:ext cx="0" cy="0"/>
+          <a:chOff x="0" y="0"/>
+          <a:chExt cx="0" cy="0"/>
+        </a:xfrm>
+      </p:grpSpPr>
+      <p:pic>
+        <p:nvPicPr>
+          <p:cNvPr id="3" name="Picture 2" descr="A close up of a map&#10;&#10;Description automatically generated">
+            <a:extLst>
+              <a:ext uri="{FF2B5EF4-FFF2-40B4-BE49-F238E27FC236}">
+                <a16:creationId xmlns:a16="http://schemas.microsoft.com/office/drawing/2014/main" id="{C6115F88-1ADE-4CB6-95F1-6139BEB9E51A}"/>
+              </a:ext>
+            </a:extLst>
+          </p:cNvPr>
+          <p:cNvPicPr>
+            <a:picLocks noChangeAspect="1"/>
+          </p:cNvPicPr>
+          <p:nvPr/>
+        </p:nvPicPr>
+        <p:blipFill>
+          <a:blip r:embed="rId2">
+            <a:extLst>
+              <a:ext uri="{28A0092B-C50C-407E-A947-70E740481C1C}">
+                <a14:useLocalDpi xmlns:a14="http://schemas.microsoft.com/office/drawing/2010/main" val="0"/>
+              </a:ext>
+            </a:extLst>
+          </a:blip>
+          <a:stretch>
+            <a:fillRect/>
+          </a:stretch>
+        </p:blipFill>
+        <p:spPr>
+          <a:xfrm>
+            <a:off x="46074" y="1143000"/>
+            <a:ext cx="6096000" cy="4572000"/>
+          </a:xfrm>
+          <a:prstGeom prst="rect">
+            <a:avLst/>
+          </a:prstGeom>
+        </p:spPr>
+      </p:pic>
+      <p:pic>
+        <p:nvPicPr>
+          <p:cNvPr id="12" name="Picture 11" descr="A close up of a map&#10;&#10;Description automatically generated">
+            <a:extLst>
+              <a:ext uri="{FF2B5EF4-FFF2-40B4-BE49-F238E27FC236}">
+                <a16:creationId xmlns:a16="http://schemas.microsoft.com/office/drawing/2014/main" id="{5791D0AA-C5F6-4A1A-BB07-38BD0AFA1F0F}"/>
+              </a:ext>
+            </a:extLst>
+          </p:cNvPr>
+          <p:cNvPicPr>
+            <a:picLocks noChangeAspect="1"/>
+          </p:cNvPicPr>
+          <p:nvPr/>
+        </p:nvPicPr>
+        <p:blipFill>
+          <a:blip r:embed="rId3">
+            <a:extLst>
+              <a:ext uri="{28A0092B-C50C-407E-A947-70E740481C1C}">
+                <a14:useLocalDpi xmlns:a14="http://schemas.microsoft.com/office/drawing/2010/main" val="0"/>
+              </a:ext>
+            </a:extLst>
+          </a:blip>
+          <a:stretch>
+            <a:fillRect/>
+          </a:stretch>
+        </p:blipFill>
+        <p:spPr>
+          <a:xfrm>
+            <a:off x="6096000" y="1143000"/>
+            <a:ext cx="6096000" cy="4572000"/>
+          </a:xfrm>
+          <a:prstGeom prst="rect">
+            <a:avLst/>
+          </a:prstGeom>
+        </p:spPr>
+      </p:pic>
+      <p:sp>
+        <p:nvSpPr>
+          <p:cNvPr id="14" name="TextBox 13">
+            <a:extLst>
+              <a:ext uri="{FF2B5EF4-FFF2-40B4-BE49-F238E27FC236}">
+                <a16:creationId xmlns:a16="http://schemas.microsoft.com/office/drawing/2014/main" id="{331D09F7-88DE-4F0C-A47E-C40C5D0498A9}"/>
+              </a:ext>
+            </a:extLst>
+          </p:cNvPr>
+          <p:cNvSpPr txBox="1"/>
+          <p:nvPr/>
+        </p:nvSpPr>
+        <p:spPr>
+          <a:xfrm>
+            <a:off x="504696" y="18246"/>
+            <a:ext cx="11260121" cy="461665"/>
+          </a:xfrm>
+          <a:prstGeom prst="rect">
+            <a:avLst/>
+          </a:prstGeom>
+          <a:noFill/>
+        </p:spPr>
+        <p:txBody>
+          <a:bodyPr wrap="square" rtlCol="0">
+            <a:spAutoFit/>
+          </a:bodyPr>
+          <a:lstStyle/>
+          <a:p>
+            <a:pPr algn="ctr"/>
+            <a:r>
+              <a:rPr lang="en-US" sz="2400" u="sng" dirty="0"/>
+              <a:t>T-SNE plots of Bray Curtis dissimilarity of counts by case and publication</a:t>
+            </a:r>
+          </a:p>
+        </p:txBody>
+      </p:sp>
+    </p:spTree>
+    <p:extLst>
+      <p:ext uri="{BB962C8B-B14F-4D97-AF65-F5344CB8AC3E}">
+        <p14:creationId xmlns:p14="http://schemas.microsoft.com/office/powerpoint/2010/main" val="1601606157"/>
       </p:ext>
     </p:extLst>
   </p:cSld>
